--- a/Docs/Overview.pptx
+++ b/Docs/Overview.pptx
@@ -10,9 +10,11 @@
     <p:sldId id="258" r:id="rId4"/>
     <p:sldId id="259" r:id="rId5"/>
     <p:sldId id="260" r:id="rId6"/>
-    <p:sldId id="261" r:id="rId7"/>
-    <p:sldId id="262" r:id="rId8"/>
-    <p:sldId id="263" r:id="rId9"/>
+    <p:sldId id="264" r:id="rId7"/>
+    <p:sldId id="265" r:id="rId8"/>
+    <p:sldId id="266" r:id="rId9"/>
+    <p:sldId id="267" r:id="rId10"/>
+    <p:sldId id="268" r:id="rId11"/>
   </p:sldIdLst>
   <p:sldSz cx="12192000" cy="6858000"/>
   <p:notesSz cx="6858000" cy="9144000"/>
@@ -122,8 +124,13 @@
 <file path=ppt/revisionInfo.xml><?xml version="1.0" encoding="utf-8"?>
 <p1510:revInfo xmlns:a="http://schemas.openxmlformats.org/drawingml/2006/main" xmlns:r="http://schemas.openxmlformats.org/officeDocument/2006/relationships" xmlns:p1510="http://schemas.microsoft.com/office/powerpoint/2015/10/main">
   <p1510:revLst>
+    <p1510:client id="{217060E6-93FC-4741-9DDC-43B87A9DDAAD}" v="1" dt="2023-06-15T04:48:49.603"/>
     <p1510:client id="{4201CF7F-FE33-94AE-59FB-3C5AB5C6B592}" v="1696" dt="2023-05-31T07:12:46.611"/>
+    <p1510:client id="{6AE3DE86-3936-402E-B21E-719EAD2761BE}" v="72" dt="2023-06-14T07:40:44.535"/>
+    <p1510:client id="{943B1E25-9EAA-459C-ACD9-3D67F5201FB3}" v="2233" dt="2023-06-15T08:30:29.176"/>
     <p1510:client id="{C292873F-CB25-BADC-EA8E-AAB22CFDA9F4}" v="5209" dt="2023-05-31T09:55:33.609"/>
+    <p1510:client id="{C5739640-E766-43F9-819E-9CF33DE455CC}" v="1744" dt="2023-06-14T07:38:02.261"/>
+    <p1510:client id="{C69C73FC-939A-4809-AA17-0AD92E033032}" v="245" dt="2023-06-13T11:06:18.448"/>
   </p1510:revLst>
 </p1510:revInfo>
 </file>
@@ -284,7 +291,7 @@
           <a:p>
             <a:fld id="{D341B595-366B-43E2-A22E-EA6A78C03F06}" type="datetimeFigureOut">
               <a:rPr lang="en-US" smtClean="0"/>
-              <a:t>5/31/2023</a:t>
+              <a:t>6/15/2023</a:t>
             </a:fld>
             <a:endParaRPr lang="en-US"/>
           </a:p>
@@ -482,7 +489,7 @@
           <a:p>
             <a:fld id="{D341B595-366B-43E2-A22E-EA6A78C03F06}" type="datetimeFigureOut">
               <a:rPr lang="en-US" smtClean="0"/>
-              <a:t>5/31/2023</a:t>
+              <a:t>6/15/2023</a:t>
             </a:fld>
             <a:endParaRPr lang="en-US"/>
           </a:p>
@@ -691,7 +698,7 @@
           <a:p>
             <a:fld id="{D341B595-366B-43E2-A22E-EA6A78C03F06}" type="datetimeFigureOut">
               <a:rPr lang="en-US" smtClean="0"/>
-              <a:t>5/31/2023</a:t>
+              <a:t>6/15/2023</a:t>
             </a:fld>
             <a:endParaRPr lang="en-US"/>
           </a:p>
@@ -889,7 +896,7 @@
           <a:p>
             <a:fld id="{D341B595-366B-43E2-A22E-EA6A78C03F06}" type="datetimeFigureOut">
               <a:rPr lang="en-US" smtClean="0"/>
-              <a:t>5/31/2023</a:t>
+              <a:t>6/15/2023</a:t>
             </a:fld>
             <a:endParaRPr lang="en-US"/>
           </a:p>
@@ -1167,7 +1174,7 @@
           <a:p>
             <a:fld id="{D341B595-366B-43E2-A22E-EA6A78C03F06}" type="datetimeFigureOut">
               <a:rPr lang="en-US" smtClean="0"/>
-              <a:t>5/31/2023</a:t>
+              <a:t>6/15/2023</a:t>
             </a:fld>
             <a:endParaRPr lang="en-US"/>
           </a:p>
@@ -1435,7 +1442,7 @@
           <a:p>
             <a:fld id="{D341B595-366B-43E2-A22E-EA6A78C03F06}" type="datetimeFigureOut">
               <a:rPr lang="en-US" smtClean="0"/>
-              <a:t>5/31/2023</a:t>
+              <a:t>6/15/2023</a:t>
             </a:fld>
             <a:endParaRPr lang="en-US"/>
           </a:p>
@@ -1854,7 +1861,7 @@
           <a:p>
             <a:fld id="{D341B595-366B-43E2-A22E-EA6A78C03F06}" type="datetimeFigureOut">
               <a:rPr lang="en-US" smtClean="0"/>
-              <a:t>5/31/2023</a:t>
+              <a:t>6/15/2023</a:t>
             </a:fld>
             <a:endParaRPr lang="en-US"/>
           </a:p>
@@ -1995,7 +2002,7 @@
           <a:p>
             <a:fld id="{D341B595-366B-43E2-A22E-EA6A78C03F06}" type="datetimeFigureOut">
               <a:rPr lang="en-US" smtClean="0"/>
-              <a:t>5/31/2023</a:t>
+              <a:t>6/15/2023</a:t>
             </a:fld>
             <a:endParaRPr lang="en-US"/>
           </a:p>
@@ -2108,7 +2115,7 @@
           <a:p>
             <a:fld id="{D341B595-366B-43E2-A22E-EA6A78C03F06}" type="datetimeFigureOut">
               <a:rPr lang="en-US" smtClean="0"/>
-              <a:t>5/31/2023</a:t>
+              <a:t>6/15/2023</a:t>
             </a:fld>
             <a:endParaRPr lang="en-US"/>
           </a:p>
@@ -2423,7 +2430,7 @@
           <a:p>
             <a:fld id="{D341B595-366B-43E2-A22E-EA6A78C03F06}" type="datetimeFigureOut">
               <a:rPr lang="en-US" smtClean="0"/>
-              <a:t>5/31/2023</a:t>
+              <a:t>6/15/2023</a:t>
             </a:fld>
             <a:endParaRPr lang="en-US"/>
           </a:p>
@@ -2717,7 +2724,7 @@
           <a:p>
             <a:fld id="{D341B595-366B-43E2-A22E-EA6A78C03F06}" type="datetimeFigureOut">
               <a:rPr lang="en-US" smtClean="0"/>
-              <a:t>5/31/2023</a:t>
+              <a:t>6/15/2023</a:t>
             </a:fld>
             <a:endParaRPr lang="en-US"/>
           </a:p>
@@ -2957,7 +2964,7 @@
           <a:p>
             <a:fld id="{D341B595-366B-43E2-A22E-EA6A78C03F06}" type="datetimeFigureOut">
               <a:rPr lang="en-US" smtClean="0"/>
-              <a:t>5/31/2023</a:t>
+              <a:t>6/15/2023</a:t>
             </a:fld>
             <a:endParaRPr lang="en-US"/>
           </a:p>
@@ -3452,10 +3459,23 @@
           <a:lstStyle/>
           <a:p>
             <a:r>
-              <a:rPr lang="en-US"/>
-              <a:t>VIDEO STREAMING SERVICE</a:t>
-            </a:r>
-            <a:endParaRPr lang="en-US" dirty="0"/>
+              <a:rPr lang="en-US" dirty="0"/>
+              <a:t>LOOK ASIDE</a:t>
+            </a:r>
+            <a:br>
+              <a:rPr lang="en-US" dirty="0"/>
+            </a:br>
+            <a:r>
+              <a:rPr lang="en-US" dirty="0"/>
+              <a:t>LOAD </a:t>
+            </a:r>
+            <a:br>
+              <a:rPr lang="en-US" dirty="0"/>
+            </a:br>
+            <a:r>
+              <a:rPr lang="en-US" dirty="0"/>
+              <a:t>BALANCER INVESTIGATION</a:t>
+            </a:r>
           </a:p>
         </p:txBody>
       </p:sp>
@@ -3482,18 +3502,18 @@
           </a:xfrm>
         </p:spPr>
         <p:txBody>
-          <a:bodyPr vert="horz" lIns="91440" tIns="45720" rIns="91440" bIns="45720" rtlCol="0">
+          <a:bodyPr vert="horz" lIns="91440" tIns="45720" rIns="91440" bIns="45720" rtlCol="0" anchor="t">
             <a:normAutofit/>
           </a:bodyPr>
           <a:lstStyle/>
           <a:p>
             <a:r>
-              <a:rPr lang="en-US">
+              <a:rPr lang="en-US" dirty="0">
                 <a:solidFill>
                   <a:srgbClr val="FFFFFF"/>
                 </a:solidFill>
               </a:rPr>
-              <a:t>May 31th, 2023</a:t>
+              <a:t>June 13th, 2023</a:t>
             </a:r>
           </a:p>
         </p:txBody>
@@ -3542,7 +3562,7 @@
                   <a:spcPts val="600"/>
                 </a:spcAft>
               </a:pPr>
-              <a:t>5/31/2023</a:t>
+              <a:t>6/15/2023</a:t>
             </a:fld>
             <a:endParaRPr lang="en-US">
               <a:solidFill>
@@ -3654,6 +3674,147 @@
     <p:extLst>
       <p:ext uri="{BB962C8B-B14F-4D97-AF65-F5344CB8AC3E}">
         <p14:creationId xmlns:p14="http://schemas.microsoft.com/office/powerpoint/2010/main" val="4276703841"/>
+      </p:ext>
+    </p:extLst>
+  </p:cSld>
+  <p:clrMapOvr>
+    <a:masterClrMapping/>
+  </p:clrMapOvr>
+</p:sld>
+</file>
+
+<file path=ppt/slides/slide10.xml><?xml version="1.0" encoding="utf-8"?>
+<p:sld xmlns:a="http://schemas.openxmlformats.org/drawingml/2006/main" xmlns:r="http://schemas.openxmlformats.org/officeDocument/2006/relationships" xmlns:p="http://schemas.openxmlformats.org/presentationml/2006/main">
+  <p:cSld>
+    <p:spTree>
+      <p:nvGrpSpPr>
+        <p:cNvPr id="1" name=""/>
+        <p:cNvGrpSpPr/>
+        <p:nvPr/>
+      </p:nvGrpSpPr>
+      <p:grpSpPr>
+        <a:xfrm>
+          <a:off x="0" y="0"/>
+          <a:ext cx="0" cy="0"/>
+          <a:chOff x="0" y="0"/>
+          <a:chExt cx="0" cy="0"/>
+        </a:xfrm>
+      </p:grpSpPr>
+      <p:sp>
+        <p:nvSpPr>
+          <p:cNvPr id="3" name="TextBox 2">
+            <a:extLst>
+              <a:ext uri="{FF2B5EF4-FFF2-40B4-BE49-F238E27FC236}">
+                <a16:creationId xmlns:a16="http://schemas.microsoft.com/office/drawing/2014/main" id="{7E9BDFB7-5980-213D-2FE0-7F7A2F8568F0}"/>
+              </a:ext>
+            </a:extLst>
+          </p:cNvPr>
+          <p:cNvSpPr txBox="1"/>
+          <p:nvPr/>
+        </p:nvSpPr>
+        <p:spPr>
+          <a:xfrm>
+            <a:off x="69272" y="89064"/>
+            <a:ext cx="11776363" cy="369332"/>
+          </a:xfrm>
+          <a:prstGeom prst="rect">
+            <a:avLst/>
+          </a:prstGeom>
+          <a:noFill/>
+        </p:spPr>
+        <p:txBody>
+          <a:bodyPr rot="0" spcFirstLastPara="0" vertOverflow="overflow" horzOverflow="overflow" vert="horz" wrap="square" lIns="91440" tIns="45720" rIns="91440" bIns="45720" numCol="1" spcCol="0" rtlCol="0" fromWordArt="0" anchor="t" anchorCtr="0" forceAA="0" compatLnSpc="1">
+            <a:prstTxWarp prst="textNoShape">
+              <a:avLst/>
+            </a:prstTxWarp>
+            <a:spAutoFit/>
+          </a:bodyPr>
+          <a:lstStyle/>
+          <a:p>
+            <a:r>
+              <a:rPr lang="en-US" b="1" dirty="0"/>
+              <a:t>4.   Conclusion</a:t>
+            </a:r>
+          </a:p>
+        </p:txBody>
+      </p:sp>
+      <p:pic>
+        <p:nvPicPr>
+          <p:cNvPr id="5" name="Picture 6" descr="Diagram&#10;&#10;Description automatically generated">
+            <a:extLst>
+              <a:ext uri="{FF2B5EF4-FFF2-40B4-BE49-F238E27FC236}">
+                <a16:creationId xmlns:a16="http://schemas.microsoft.com/office/drawing/2014/main" id="{F99F6712-ED6E-D3EB-924A-B5C8008EA392}"/>
+              </a:ext>
+            </a:extLst>
+          </p:cNvPr>
+          <p:cNvPicPr>
+            <a:picLocks noChangeAspect="1"/>
+          </p:cNvPicPr>
+          <p:nvPr/>
+        </p:nvPicPr>
+        <p:blipFill>
+          <a:blip r:embed="rId2"/>
+          <a:stretch>
+            <a:fillRect/>
+          </a:stretch>
+        </p:blipFill>
+        <p:spPr>
+          <a:xfrm>
+            <a:off x="2741246" y="953126"/>
+            <a:ext cx="6064737" cy="5586748"/>
+          </a:xfrm>
+          <a:prstGeom prst="rect">
+            <a:avLst/>
+          </a:prstGeom>
+        </p:spPr>
+      </p:pic>
+      <p:sp>
+        <p:nvSpPr>
+          <p:cNvPr id="7" name="TextBox 6">
+            <a:extLst>
+              <a:ext uri="{FF2B5EF4-FFF2-40B4-BE49-F238E27FC236}">
+                <a16:creationId xmlns:a16="http://schemas.microsoft.com/office/drawing/2014/main" id="{08770ACA-FA0D-18F5-5FE6-FF7F1D903A52}"/>
+              </a:ext>
+            </a:extLst>
+          </p:cNvPr>
+          <p:cNvSpPr txBox="1"/>
+          <p:nvPr/>
+        </p:nvSpPr>
+        <p:spPr>
+          <a:xfrm>
+            <a:off x="459153" y="459153"/>
+            <a:ext cx="4835769" cy="369332"/>
+          </a:xfrm>
+          <a:prstGeom prst="rect">
+            <a:avLst/>
+          </a:prstGeom>
+          <a:noFill/>
+        </p:spPr>
+        <p:txBody>
+          <a:bodyPr rot="0" spcFirstLastPara="0" vertOverflow="overflow" horzOverflow="overflow" vert="horz" wrap="square" lIns="91440" tIns="45720" rIns="91440" bIns="45720" numCol="1" spcCol="0" rtlCol="0" fromWordArt="0" anchor="t" anchorCtr="0" forceAA="0" compatLnSpc="1">
+            <a:prstTxWarp prst="textNoShape">
+              <a:avLst/>
+            </a:prstTxWarp>
+            <a:spAutoFit/>
+          </a:bodyPr>
+          <a:lstStyle/>
+          <a:p>
+            <a:pPr marL="285750" indent="-285750">
+              <a:buFont typeface="Arial"/>
+              <a:buChar char="•"/>
+            </a:pPr>
+            <a:r>
+              <a:rPr lang="en-US" dirty="0"/>
+              <a:t>Here is my conclusion of this system   </a:t>
+            </a:r>
+            <a:endParaRPr lang="en-US"/>
+          </a:p>
+        </p:txBody>
+      </p:sp>
+    </p:spTree>
+    <p:extLst>
+      <p:ext uri="{BB962C8B-B14F-4D97-AF65-F5344CB8AC3E}">
+        <p14:creationId xmlns:p14="http://schemas.microsoft.com/office/powerpoint/2010/main" val="883838489"/>
       </p:ext>
     </p:extLst>
   </p:cSld>
@@ -3863,7 +4024,7 @@
         <p:spPr>
           <a:xfrm>
             <a:off x="455220" y="583870"/>
-            <a:ext cx="10994570" cy="646331"/>
+            <a:ext cx="10994570" cy="830997"/>
           </a:xfrm>
           <a:prstGeom prst="rect">
             <a:avLst/>
@@ -3880,18 +4041,38 @@
           <a:lstStyle/>
           <a:p>
             <a:r>
-              <a:rPr lang="en-US" dirty="0"/>
-              <a:t>Create a system that has a website that streams videos from video server. The main goal is to create a system that runs on docker for ease of installation and can be scale up easily.</a:t>
-            </a:r>
+              <a:rPr lang="en-US" sz="1600" dirty="0"/>
+              <a:t>Based on the Video Streaming Project. This project expand on the </a:t>
+            </a:r>
+            <a:r>
+              <a:rPr lang="en-US" sz="1600" dirty="0">
+                <a:solidFill>
+                  <a:srgbClr val="000000"/>
+                </a:solidFill>
+              </a:rPr>
+              <a:t>Lookaside load</a:t>
+            </a:r>
+            <a:r>
+              <a:rPr lang="en-US" sz="1600" dirty="0"/>
+              <a:t> balancer design. </a:t>
+            </a:r>
+            <a:r>
+              <a:rPr lang="en-US" sz="1600" dirty="0">
+                <a:ea typeface="+mn-lt"/>
+                <a:cs typeface="+mn-lt"/>
+              </a:rPr>
+              <a:t>The picture below illustrates this approach. The client gets at least one address from lookaside LB. Then the client uses this address to make a RPC.</a:t>
+            </a:r>
+            <a:endParaRPr lang="en-US"/>
           </a:p>
         </p:txBody>
       </p:sp>
       <p:pic>
         <p:nvPicPr>
-          <p:cNvPr id="8" name="Picture 8">
-            <a:extLst>
-              <a:ext uri="{FF2B5EF4-FFF2-40B4-BE49-F238E27FC236}">
-                <a16:creationId xmlns:a16="http://schemas.microsoft.com/office/drawing/2014/main" id="{DB83EFB4-E2CC-3B2E-EC29-DDF3621D580B}"/>
+          <p:cNvPr id="3" name="Picture 3" descr="Diagram&#10;&#10;Description automatically generated">
+            <a:extLst>
+              <a:ext uri="{FF2B5EF4-FFF2-40B4-BE49-F238E27FC236}">
+                <a16:creationId xmlns:a16="http://schemas.microsoft.com/office/drawing/2014/main" id="{354FE29D-A88F-1D4E-8E1A-9E7B76399C96}"/>
               </a:ext>
             </a:extLst>
           </p:cNvPr>
@@ -3900,63 +4081,22 @@
           </p:cNvPicPr>
           <p:nvPr/>
         </p:nvPicPr>
-        <p:blipFill rotWithShape="1">
+        <p:blipFill>
           <a:blip r:embed="rId2"/>
-          <a:srcRect l="2074" t="2857" r="5939" b="4571"/>
-          <a:stretch/>
+          <a:stretch>
+            <a:fillRect/>
+          </a:stretch>
         </p:blipFill>
         <p:spPr>
           <a:xfrm>
-            <a:off x="2359231" y="1850285"/>
-            <a:ext cx="7469429" cy="4296181"/>
+            <a:off x="2565401" y="1391633"/>
+            <a:ext cx="6781799" cy="4735136"/>
           </a:xfrm>
           <a:prstGeom prst="rect">
             <a:avLst/>
           </a:prstGeom>
         </p:spPr>
       </p:pic>
-      <p:sp>
-        <p:nvSpPr>
-          <p:cNvPr id="9" name="TextBox 8">
-            <a:extLst>
-              <a:ext uri="{FF2B5EF4-FFF2-40B4-BE49-F238E27FC236}">
-                <a16:creationId xmlns:a16="http://schemas.microsoft.com/office/drawing/2014/main" id="{91FDBE8E-170F-DA48-8F78-4354F7FF2802}"/>
-              </a:ext>
-            </a:extLst>
-          </p:cNvPr>
-          <p:cNvSpPr txBox="1"/>
-          <p:nvPr/>
-        </p:nvSpPr>
-        <p:spPr>
-          <a:xfrm>
-            <a:off x="821376" y="1355765"/>
-            <a:ext cx="8005947" cy="369332"/>
-          </a:xfrm>
-          <a:prstGeom prst="rect">
-            <a:avLst/>
-          </a:prstGeom>
-          <a:noFill/>
-        </p:spPr>
-        <p:txBody>
-          <a:bodyPr rot="0" spcFirstLastPara="0" vertOverflow="overflow" horzOverflow="overflow" vert="horz" wrap="square" lIns="91440" tIns="45720" rIns="91440" bIns="45720" numCol="1" spcCol="0" rtlCol="0" fromWordArt="0" anchor="t" anchorCtr="0" forceAA="0" compatLnSpc="1">
-            <a:prstTxWarp prst="textNoShape">
-              <a:avLst/>
-            </a:prstTxWarp>
-            <a:spAutoFit/>
-          </a:bodyPr>
-          <a:lstStyle/>
-          <a:p>
-            <a:pPr marL="285750" indent="-285750">
-              <a:buFont typeface="Arial" panose="020B0604020202020204" pitchFamily="34" charset="0"/>
-              <a:buChar char="•"/>
-            </a:pPr>
-            <a:r>
-              <a:rPr lang="en-US" dirty="0"/>
-              <a:t>This is the desired website UI:</a:t>
-            </a:r>
-          </a:p>
-        </p:txBody>
-      </p:sp>
     </p:spTree>
     <p:extLst>
       <p:ext uri="{BB962C8B-B14F-4D97-AF65-F5344CB8AC3E}">
@@ -4044,7 +4184,7 @@
         <p:spPr>
           <a:xfrm>
             <a:off x="109313" y="500833"/>
-            <a:ext cx="10826336" cy="369332"/>
+            <a:ext cx="4138666" cy="646331"/>
           </a:xfrm>
           <a:prstGeom prst="rect">
             <a:avLst/>
@@ -4081,8 +4221,8 @@
         </p:nvSpPr>
         <p:spPr>
           <a:xfrm>
-            <a:off x="228747" y="1947939"/>
-            <a:ext cx="2654885" cy="954107"/>
+            <a:off x="165994" y="2243774"/>
+            <a:ext cx="3730649" cy="307777"/>
           </a:xfrm>
           <a:prstGeom prst="rect">
             <a:avLst/>
@@ -4102,11 +4242,7 @@
               <a:buFont typeface="Arial" panose="020B0604020202020204" pitchFamily="34" charset="0"/>
               <a:buChar char="•"/>
             </a:pPr>
-            <a:r>
-              <a:rPr lang="en-US" sz="1400" dirty="0"/>
-              <a:t>Web server is responsible for running a Web UI and requests frame data from video server.</a:t>
-            </a:r>
-            <a:endParaRPr lang="en-US"/>
+            <a:endParaRPr lang="en-US" sz="1400" dirty="0"/>
           </a:p>
         </p:txBody>
       </p:sp>
@@ -4124,8 +4260,8 @@
         </p:nvSpPr>
         <p:spPr>
           <a:xfrm>
-            <a:off x="193713" y="2996812"/>
-            <a:ext cx="2654885" cy="1384995"/>
+            <a:off x="166819" y="3480907"/>
+            <a:ext cx="3838226" cy="307777"/>
           </a:xfrm>
           <a:prstGeom prst="rect">
             <a:avLst/>
@@ -4145,10 +4281,7 @@
               <a:buFont typeface="Arial" panose="020B0604020202020204" pitchFamily="34" charset="0"/>
               <a:buChar char="•"/>
             </a:pPr>
-            <a:r>
-              <a:rPr lang="en-US" sz="1400" dirty="0"/>
-              <a:t>Video servers are responsible for processing the video mounted from NFS volume and response frame data to the corresponding GRPC client</a:t>
-            </a:r>
+            <a:endParaRPr lang="en-US" sz="1400" dirty="0"/>
           </a:p>
         </p:txBody>
       </p:sp>
@@ -4166,8 +4299,8 @@
         </p:nvSpPr>
         <p:spPr>
           <a:xfrm>
-            <a:off x="193712" y="982328"/>
-            <a:ext cx="2882609" cy="738664"/>
+            <a:off x="166818" y="1242304"/>
+            <a:ext cx="3814938" cy="2893100"/>
           </a:xfrm>
           <a:prstGeom prst="rect">
             <a:avLst/>
@@ -4183,62 +4316,79 @@
           </a:bodyPr>
           <a:lstStyle/>
           <a:p>
+            <a:pPr marL="285750" indent="-285750">
+              <a:buFont typeface="Arial"/>
+              <a:buChar char="•"/>
+            </a:pPr>
             <a:r>
               <a:rPr lang="en-US" sz="1400" dirty="0"/>
-              <a:t>Both Video Server and Web Server run as a container on a docker swarm for better </a:t>
-            </a:r>
+              <a:t>Web Server node is responsible for web UI and communication</a:t>
+            </a:r>
+          </a:p>
+          <a:p>
+            <a:pPr marL="285750" indent="-285750">
+              <a:buFont typeface="Arial"/>
+              <a:buChar char="•"/>
+            </a:pPr>
+            <a:endParaRPr lang="en-US" sz="1400" dirty="0">
+              <a:ea typeface="+mn-lt"/>
+              <a:cs typeface="+mn-lt"/>
+            </a:endParaRPr>
+          </a:p>
+          <a:p>
+            <a:pPr marL="285750" indent="-285750">
+              <a:buFont typeface="Arial"/>
+              <a:buChar char="•"/>
+            </a:pPr>
+            <a:endParaRPr lang="en-US" sz="1400" dirty="0">
+              <a:ea typeface="+mn-lt"/>
+              <a:cs typeface="+mn-lt"/>
+            </a:endParaRPr>
+          </a:p>
+          <a:p>
+            <a:pPr marL="285750" indent="-285750">
+              <a:buFont typeface="Arial"/>
+              <a:buChar char="•"/>
+            </a:pPr>
             <a:r>
               <a:rPr lang="en-US" sz="1400" dirty="0">
                 <a:ea typeface="+mn-lt"/>
                 <a:cs typeface="+mn-lt"/>
               </a:rPr>
-              <a:t>orchestration</a:t>
-            </a:r>
-            <a:endParaRPr lang="en-US" sz="1400" dirty="0"/>
-          </a:p>
-        </p:txBody>
-      </p:sp>
-      <p:sp>
-        <p:nvSpPr>
-          <p:cNvPr id="4" name="TextBox 3">
-            <a:extLst>
-              <a:ext uri="{FF2B5EF4-FFF2-40B4-BE49-F238E27FC236}">
-                <a16:creationId xmlns:a16="http://schemas.microsoft.com/office/drawing/2014/main" id="{98547AA2-AAAD-F1EE-EDCA-101E05773D20}"/>
-              </a:ext>
-            </a:extLst>
-          </p:cNvPr>
-          <p:cNvSpPr txBox="1"/>
-          <p:nvPr/>
-        </p:nvSpPr>
-        <p:spPr>
-          <a:xfrm>
-            <a:off x="193711" y="4529568"/>
-            <a:ext cx="2882609" cy="954107"/>
-          </a:xfrm>
-          <a:prstGeom prst="rect">
-            <a:avLst/>
-          </a:prstGeom>
-          <a:noFill/>
-        </p:spPr>
-        <p:txBody>
-          <a:bodyPr rot="0" spcFirstLastPara="0" vertOverflow="overflow" horzOverflow="overflow" vert="horz" wrap="square" lIns="91440" tIns="45720" rIns="91440" bIns="45720" numCol="1" spcCol="0" rtlCol="0" fromWordArt="0" anchor="t" anchorCtr="0" forceAA="0" compatLnSpc="1">
-            <a:prstTxWarp prst="textNoShape">
-              <a:avLst/>
-            </a:prstTxWarp>
-            <a:spAutoFit/>
-          </a:bodyPr>
-          <a:lstStyle/>
-          <a:p>
-            <a:r>
-              <a:rPr lang="en-US" sz="1400" dirty="0"/>
-              <a:t>NFS</a:t>
-            </a:r>
+              <a:t>Load Balancer listens to request from Web Server Node, create new instance of Video Server service and send that information back to Web Server Node</a:t>
+            </a:r>
+          </a:p>
+          <a:p>
+            <a:pPr marL="285750" indent="-285750">
+              <a:buFont typeface="Arial"/>
+              <a:buChar char="•"/>
+            </a:pPr>
+            <a:endParaRPr lang="en-US" sz="1400" dirty="0">
+              <a:ea typeface="+mn-lt"/>
+              <a:cs typeface="+mn-lt"/>
+            </a:endParaRPr>
+          </a:p>
+          <a:p>
+            <a:pPr marL="285750" indent="-285750">
+              <a:buFont typeface="Arial"/>
+              <a:buChar char="•"/>
+            </a:pPr>
+            <a:endParaRPr lang="en-US" sz="1400" dirty="0">
+              <a:ea typeface="+mn-lt"/>
+              <a:cs typeface="+mn-lt"/>
+            </a:endParaRPr>
+          </a:p>
+          <a:p>
+            <a:pPr marL="285750" indent="-285750">
+              <a:buFont typeface="Arial"/>
+              <a:buChar char="•"/>
+            </a:pPr>
             <a:r>
               <a:rPr lang="en-US" sz="1400" dirty="0">
                 <a:ea typeface="+mn-lt"/>
                 <a:cs typeface="+mn-lt"/>
               </a:rPr>
-              <a:t> server runs separately from the docker swarm environment and provides access to Video and AI model volume</a:t>
+              <a:t>Video server Node are responsible for processing video and response frame data to Web Server Node</a:t>
             </a:r>
             <a:endParaRPr lang="en-US" sz="1400" dirty="0"/>
           </a:p>
@@ -4249,7 +4399,7 @@
           <p:cNvPr id="9" name="Picture 9" descr="Diagram&#10;&#10;Description automatically generated">
             <a:extLst>
               <a:ext uri="{FF2B5EF4-FFF2-40B4-BE49-F238E27FC236}">
-                <a16:creationId xmlns:a16="http://schemas.microsoft.com/office/drawing/2014/main" id="{DD94B72B-EC54-6514-8896-2B9C2307027D}"/>
+                <a16:creationId xmlns:a16="http://schemas.microsoft.com/office/drawing/2014/main" id="{ED94F8AD-9331-3EB9-E807-D1BE20315DC5}"/>
               </a:ext>
             </a:extLst>
           </p:cNvPr>
@@ -4266,8 +4416,8 @@
         </p:blipFill>
         <p:spPr>
           <a:xfrm>
-            <a:off x="2956984" y="1281963"/>
-            <a:ext cx="9103783" cy="4294074"/>
+            <a:off x="4598894" y="176898"/>
+            <a:ext cx="7360023" cy="6414556"/>
           </a:xfrm>
           <a:prstGeom prst="rect">
             <a:avLst/>
@@ -4337,11 +4487,11 @@
           <a:p>
             <a:r>
               <a:rPr lang="en-US" dirty="0"/>
-              <a:t>3.   </a:t>
+              <a:t>2.   </a:t>
             </a:r>
             <a:r>
               <a:rPr lang="en-US" b="1" dirty="0"/>
-              <a:t>Software Components</a:t>
+              <a:t>Service Overview</a:t>
             </a:r>
           </a:p>
           <a:p>
@@ -4382,17 +4532,72 @@
           <a:p>
             <a:r>
               <a:rPr lang="en-US" dirty="0"/>
-              <a:t>3.1 Video Server</a:t>
-            </a:r>
+              <a:t>2.1 Web Server Service</a:t>
+            </a:r>
+          </a:p>
+        </p:txBody>
+      </p:sp>
+      <p:sp>
+        <p:nvSpPr>
+          <p:cNvPr id="5" name="TextBox 4">
+            <a:extLst>
+              <a:ext uri="{FF2B5EF4-FFF2-40B4-BE49-F238E27FC236}">
+                <a16:creationId xmlns:a16="http://schemas.microsoft.com/office/drawing/2014/main" id="{66F0B8B8-4475-CFE4-261B-3CE76B7B8615}"/>
+              </a:ext>
+            </a:extLst>
+          </p:cNvPr>
+          <p:cNvSpPr txBox="1"/>
+          <p:nvPr/>
+        </p:nvSpPr>
+        <p:spPr>
+          <a:xfrm>
+            <a:off x="747265" y="929444"/>
+            <a:ext cx="11522427" cy="738664"/>
+          </a:xfrm>
+          <a:prstGeom prst="rect">
+            <a:avLst/>
+          </a:prstGeom>
+          <a:noFill/>
+        </p:spPr>
+        <p:txBody>
+          <a:bodyPr rot="0" spcFirstLastPara="0" vertOverflow="overflow" horzOverflow="overflow" vert="horz" wrap="square" lIns="91440" tIns="45720" rIns="91440" bIns="45720" numCol="1" spcCol="0" rtlCol="0" fromWordArt="0" anchor="t" anchorCtr="0" forceAA="0" compatLnSpc="1">
+            <a:prstTxWarp prst="textNoShape">
+              <a:avLst/>
+            </a:prstTxWarp>
+            <a:spAutoFit/>
+          </a:bodyPr>
+          <a:lstStyle/>
+          <a:p>
+            <a:pPr marL="285750" indent="-285750">
+              <a:buFont typeface="Calibri"/>
+              <a:buChar char="-"/>
+            </a:pPr>
+            <a:r>
+              <a:rPr lang="en-US" sz="1400" dirty="0"/>
+              <a:t>Using Flask as its backend and GRPC as it transportation protocol</a:t>
+            </a:r>
+          </a:p>
+          <a:p>
+            <a:pPr marL="285750" indent="-285750">
+              <a:buFont typeface="Calibri"/>
+              <a:buChar char="-"/>
+            </a:pPr>
+            <a:r>
+              <a:rPr lang="en-US" sz="1400" dirty="0"/>
+              <a:t>The backend will communicate with Load Balancer through TCP connection</a:t>
+            </a:r>
+          </a:p>
+          <a:p>
+            <a:endParaRPr lang="en-US" sz="1400" dirty="0"/>
           </a:p>
         </p:txBody>
       </p:sp>
       <p:pic>
         <p:nvPicPr>
-          <p:cNvPr id="2" name="Picture 4" descr="Diagram&#10;&#10;Description automatically generated">
-            <a:extLst>
-              <a:ext uri="{FF2B5EF4-FFF2-40B4-BE49-F238E27FC236}">
-                <a16:creationId xmlns:a16="http://schemas.microsoft.com/office/drawing/2014/main" id="{07F4BDC6-8C10-E4A3-0775-66740F5B8FDD}"/>
+          <p:cNvPr id="7" name="Picture 7" descr="Diagram&#10;&#10;Description automatically generated">
+            <a:extLst>
+              <a:ext uri="{FF2B5EF4-FFF2-40B4-BE49-F238E27FC236}">
+                <a16:creationId xmlns:a16="http://schemas.microsoft.com/office/drawing/2014/main" id="{32272489-B894-A834-BD7C-9D0965B4A9DC}"/>
               </a:ext>
             </a:extLst>
           </p:cNvPr>
@@ -4409,182 +4614,14 @@
         </p:blipFill>
         <p:spPr>
           <a:xfrm>
-            <a:off x="4706883" y="806008"/>
-            <a:ext cx="6938578" cy="5237224"/>
+            <a:off x="3281082" y="1715652"/>
+            <a:ext cx="5629834" cy="4511423"/>
           </a:xfrm>
           <a:prstGeom prst="rect">
             <a:avLst/>
           </a:prstGeom>
         </p:spPr>
       </p:pic>
-      <p:sp>
-        <p:nvSpPr>
-          <p:cNvPr id="5" name="TextBox 4">
-            <a:extLst>
-              <a:ext uri="{FF2B5EF4-FFF2-40B4-BE49-F238E27FC236}">
-                <a16:creationId xmlns:a16="http://schemas.microsoft.com/office/drawing/2014/main" id="{66F0B8B8-4475-CFE4-261B-3CE76B7B8615}"/>
-              </a:ext>
-            </a:extLst>
-          </p:cNvPr>
-          <p:cNvSpPr txBox="1"/>
-          <p:nvPr/>
-        </p:nvSpPr>
-        <p:spPr>
-          <a:xfrm>
-            <a:off x="245241" y="884621"/>
-            <a:ext cx="4072758" cy="5478423"/>
-          </a:xfrm>
-          <a:prstGeom prst="rect">
-            <a:avLst/>
-          </a:prstGeom>
-          <a:noFill/>
-        </p:spPr>
-        <p:txBody>
-          <a:bodyPr rot="0" spcFirstLastPara="0" vertOverflow="overflow" horzOverflow="overflow" vert="horz" wrap="square" lIns="91440" tIns="45720" rIns="91440" bIns="45720" numCol="1" spcCol="0" rtlCol="0" fromWordArt="0" anchor="t" anchorCtr="0" forceAA="0" compatLnSpc="1">
-            <a:prstTxWarp prst="textNoShape">
-              <a:avLst/>
-            </a:prstTxWarp>
-            <a:spAutoFit/>
-          </a:bodyPr>
-          <a:lstStyle/>
-          <a:p>
-            <a:r>
-              <a:rPr lang="en-US" sz="1400" dirty="0"/>
-              <a:t>The software of the video server comprises four main components:</a:t>
-            </a:r>
-            <a:endParaRPr lang="en-US" dirty="0"/>
-          </a:p>
-          <a:p>
-            <a:endParaRPr lang="en-US" sz="1400" dirty="0"/>
-          </a:p>
-          <a:p>
-            <a:pPr marL="285750" indent="-285750">
-              <a:buFont typeface="Arial"/>
-              <a:buChar char="•"/>
-            </a:pPr>
-            <a:r>
-              <a:rPr lang="en-US" sz="1400" dirty="0"/>
-              <a:t>Proto: This component handles </a:t>
-            </a:r>
-            <a:r>
-              <a:rPr lang="en-US" sz="1400" dirty="0">
-                <a:ea typeface="+mn-lt"/>
-                <a:cs typeface="+mn-lt"/>
-              </a:rPr>
-              <a:t>GRPC </a:t>
-            </a:r>
-            <a:r>
-              <a:rPr lang="en-US" sz="1400" dirty="0">
-                <a:solidFill>
-                  <a:srgbClr val="000000"/>
-                </a:solidFill>
-                <a:ea typeface="+mn-lt"/>
-                <a:cs typeface="+mn-lt"/>
-              </a:rPr>
-              <a:t>protocol buffers.</a:t>
-            </a:r>
-            <a:endParaRPr lang="en-US" dirty="0"/>
-          </a:p>
-          <a:p>
-            <a:pPr marL="285750" indent="-285750">
-              <a:buFont typeface="Arial"/>
-              <a:buChar char="•"/>
-            </a:pPr>
-            <a:endParaRPr lang="en-US" sz="1400" dirty="0">
-              <a:solidFill>
-                <a:srgbClr val="000000"/>
-              </a:solidFill>
-            </a:endParaRPr>
-          </a:p>
-          <a:p>
-            <a:pPr marL="285750" indent="-285750">
-              <a:buFont typeface="Arial"/>
-              <a:buChar char="•"/>
-            </a:pPr>
-            <a:r>
-              <a:rPr lang="en-US" sz="1400" dirty="0">
-                <a:solidFill>
-                  <a:srgbClr val="000000"/>
-                </a:solidFill>
-              </a:rPr>
-              <a:t>Service: This component manages video processing.</a:t>
-            </a:r>
-            <a:endParaRPr lang="en-US" dirty="0"/>
-          </a:p>
-          <a:p>
-            <a:pPr marL="285750" indent="-285750">
-              <a:buFont typeface="Arial"/>
-              <a:buChar char="•"/>
-            </a:pPr>
-            <a:endParaRPr lang="en-US" sz="1400" dirty="0">
-              <a:solidFill>
-                <a:srgbClr val="000000"/>
-              </a:solidFill>
-            </a:endParaRPr>
-          </a:p>
-          <a:p>
-            <a:pPr marL="285750" indent="-285750">
-              <a:buFont typeface="Arial"/>
-              <a:buChar char="•"/>
-            </a:pPr>
-            <a:r>
-              <a:rPr lang="en-US" sz="1400" dirty="0">
-                <a:solidFill>
-                  <a:srgbClr val="000000"/>
-                </a:solidFill>
-              </a:rPr>
-              <a:t>Transportation: This component handles requests and responses between the web server and the video server. The protocol provider is utilized to offer the appropriate protocol service based on the user's configuration. Each protocol adheres to the same class interface. </a:t>
-            </a:r>
-            <a:endParaRPr lang="en-US">
-              <a:solidFill>
-                <a:srgbClr val="000000"/>
-              </a:solidFill>
-            </a:endParaRPr>
-          </a:p>
-          <a:p>
-            <a:r>
-              <a:rPr lang="en-US" sz="1400" dirty="0">
-                <a:solidFill>
-                  <a:srgbClr val="000000"/>
-                </a:solidFill>
-              </a:rPr>
-              <a:t>=&gt; This approach decouples the protocol creation from the main code, facilitating the inclusion or switching to new transport protocols.</a:t>
-            </a:r>
-            <a:endParaRPr lang="en-US"/>
-          </a:p>
-          <a:p>
-            <a:endParaRPr lang="en-US" sz="1400" dirty="0"/>
-          </a:p>
-          <a:p>
-            <a:pPr marL="285750" indent="-285750">
-              <a:buFont typeface="Arial"/>
-              <a:buChar char="•"/>
-            </a:pPr>
-            <a:r>
-              <a:rPr lang="en-US" sz="1400" dirty="0"/>
-              <a:t>AI model: This component handles object detection using specific models. It employs the same mechanism as </a:t>
-            </a:r>
-            <a:r>
-              <a:rPr lang="en-US" sz="1400" dirty="0">
-                <a:solidFill>
-                  <a:srgbClr val="000000"/>
-                </a:solidFill>
-                <a:ea typeface="+mn-lt"/>
-                <a:cs typeface="+mn-lt"/>
-              </a:rPr>
-              <a:t>transportation, </a:t>
-            </a:r>
-            <a:r>
-              <a:rPr lang="en-US" sz="1400" dirty="0"/>
-              <a:t>resulting in the same decoupling effect.</a:t>
-            </a:r>
-            <a:endParaRPr lang="en-US" dirty="0"/>
-          </a:p>
-          <a:p>
-            <a:endParaRPr lang="en-US" sz="1400" dirty="0"/>
-          </a:p>
-        </p:txBody>
-      </p:sp>
     </p:spTree>
     <p:extLst>
       <p:ext uri="{BB962C8B-B14F-4D97-AF65-F5344CB8AC3E}">
@@ -4648,11 +4685,11 @@
           <a:p>
             <a:r>
               <a:rPr lang="en-US" dirty="0"/>
-              <a:t>3.   </a:t>
+              <a:t>2.   </a:t>
             </a:r>
             <a:r>
               <a:rPr lang="en-US" b="1" dirty="0"/>
-              <a:t>Software Components</a:t>
+              <a:t>Service Overview</a:t>
             </a:r>
           </a:p>
           <a:p>
@@ -4693,7 +4730,7 @@
           <a:p>
             <a:r>
               <a:rPr lang="en-US" dirty="0"/>
-              <a:t>3.1 Video Server</a:t>
+              <a:t>2.2 Load Balancer Service</a:t>
             </a:r>
           </a:p>
         </p:txBody>
@@ -4712,8 +4749,8 @@
         </p:nvSpPr>
         <p:spPr>
           <a:xfrm>
-            <a:off x="276991" y="1085705"/>
-            <a:ext cx="4072758" cy="4093428"/>
+            <a:off x="415570" y="857727"/>
+            <a:ext cx="10876969" cy="738664"/>
           </a:xfrm>
           <a:prstGeom prst="rect">
             <a:avLst/>
@@ -4730,87 +4767,79 @@
           <a:lstStyle/>
           <a:p>
             <a:pPr marL="285750" indent="-285750">
-              <a:buFont typeface="Arial"/>
-              <a:buChar char="•"/>
+              <a:buFont typeface="Calibri"/>
+              <a:buChar char="-"/>
+            </a:pPr>
+            <a:r>
+              <a:rPr lang="en-US" sz="1400" dirty="0"/>
+              <a:t>Listen for request from Webserver Service and store those request in a queue</a:t>
+            </a:r>
+            <a:endParaRPr lang="en-US" dirty="0"/>
+          </a:p>
+          <a:p>
+            <a:pPr marL="285750" indent="-285750">
+              <a:buFont typeface="Calibri"/>
+              <a:buChar char="-"/>
             </a:pPr>
             <a:r>
               <a:rPr lang="en-US" sz="1400" dirty="0">
                 <a:ea typeface="+mn-lt"/>
                 <a:cs typeface="+mn-lt"/>
               </a:rPr>
-              <a:t>At the beginning, the program spawns multiple processes equal to the number of CPUs available. Each process creates an instance of the server, and in this case is GRPC server, each bind to the same port and listen for incoming client requests.</a:t>
-            </a:r>
-            <a:endParaRPr lang="en-US" dirty="0">
-              <a:ea typeface="+mn-lt"/>
-              <a:cs typeface="+mn-lt"/>
-            </a:endParaRPr>
-          </a:p>
+              <a:t>Process request from the queue to decide to create or remove a service on a swarm through communication with Docker Daemon</a:t>
+            </a:r>
+            <a:endParaRPr lang="en-US" sz="1400" dirty="0"/>
+          </a:p>
+          <a:p>
+            <a:endParaRPr lang="en-US" sz="1400" dirty="0"/>
+          </a:p>
+        </p:txBody>
+      </p:sp>
+      <p:sp>
+        <p:nvSpPr>
+          <p:cNvPr id="7" name="TextBox 6">
+            <a:extLst>
+              <a:ext uri="{FF2B5EF4-FFF2-40B4-BE49-F238E27FC236}">
+                <a16:creationId xmlns:a16="http://schemas.microsoft.com/office/drawing/2014/main" id="{1A01EBE5-961C-6FE8-DAC3-52280EFBD24D}"/>
+              </a:ext>
+            </a:extLst>
+          </p:cNvPr>
+          <p:cNvSpPr txBox="1"/>
+          <p:nvPr/>
+        </p:nvSpPr>
+        <p:spPr>
+          <a:xfrm>
+            <a:off x="245241" y="1888668"/>
+            <a:ext cx="4072758" cy="307777"/>
+          </a:xfrm>
+          <a:prstGeom prst="rect">
+            <a:avLst/>
+          </a:prstGeom>
+          <a:noFill/>
+        </p:spPr>
+        <p:txBody>
+          <a:bodyPr rot="0" spcFirstLastPara="0" vertOverflow="overflow" horzOverflow="overflow" vert="horz" wrap="square" lIns="91440" tIns="45720" rIns="91440" bIns="45720" numCol="1" spcCol="0" rtlCol="0" fromWordArt="0" anchor="t" anchorCtr="0" forceAA="0" compatLnSpc="1">
+            <a:prstTxWarp prst="textNoShape">
+              <a:avLst/>
+            </a:prstTxWarp>
+            <a:spAutoFit/>
+          </a:bodyPr>
+          <a:lstStyle/>
           <a:p>
             <a:pPr marL="285750" indent="-285750">
-              <a:buFont typeface="Arial"/>
-              <a:buChar char="•"/>
+              <a:buFont typeface="Calibri"/>
+              <a:buChar char="-"/>
             </a:pPr>
-            <a:endParaRPr lang="en-US"/>
-          </a:p>
-          <a:p>
-            <a:pPr marL="285750" indent="-285750">
-              <a:buFont typeface="Arial"/>
-              <a:buChar char="•"/>
-            </a:pPr>
-            <a:r>
-              <a:rPr lang="en-US" sz="1400" dirty="0">
-                <a:ea typeface="+mn-lt"/>
-                <a:cs typeface="+mn-lt"/>
-              </a:rPr>
-              <a:t>Once a request is received from a client, the server processes the video and streams back the processed frame data to the client.</a:t>
-            </a:r>
-            <a:endParaRPr lang="en-US" dirty="0">
-              <a:ea typeface="+mn-lt"/>
-              <a:cs typeface="+mn-lt"/>
-            </a:endParaRPr>
-          </a:p>
-          <a:p>
-            <a:pPr>
-              <a:buFont typeface="Arial"/>
-              <a:buChar char="•"/>
-            </a:pPr>
-            <a:endParaRPr lang="en-US"/>
-          </a:p>
-          <a:p>
-            <a:r>
-              <a:rPr lang="en-US" sz="1400" dirty="0">
-                <a:ea typeface="+mn-lt"/>
-                <a:cs typeface="+mn-lt"/>
-              </a:rPr>
-              <a:t>The reason </a:t>
-            </a:r>
-            <a:r>
-              <a:rPr lang="en-US" sz="1400" dirty="0" err="1">
-                <a:ea typeface="+mn-lt"/>
-                <a:cs typeface="+mn-lt"/>
-              </a:rPr>
-              <a:t>i</a:t>
-            </a:r>
-            <a:r>
-              <a:rPr lang="en-US" sz="1400" dirty="0">
-                <a:ea typeface="+mn-lt"/>
-                <a:cs typeface="+mn-lt"/>
-              </a:rPr>
-              <a:t> chose to use multiprocessing instead of multithreading because multithreading can cause issues with reading videos in OpenCV and may result in thread errors. Additionally, Python has the Global Interpreter Lock (GIL) which can limit the effectiveness of multithreading for certain tasks.</a:t>
-            </a:r>
-            <a:endParaRPr lang="en-US">
-              <a:ea typeface="+mn-lt"/>
-              <a:cs typeface="+mn-lt"/>
-            </a:endParaRPr>
+            <a:endParaRPr lang="en-US" sz="1400" dirty="0"/>
           </a:p>
         </p:txBody>
       </p:sp>
       <p:pic>
         <p:nvPicPr>
-          <p:cNvPr id="7" name="Picture 7" descr="Diagram&#10;&#10;Description automatically generated">
-            <a:extLst>
-              <a:ext uri="{FF2B5EF4-FFF2-40B4-BE49-F238E27FC236}">
-                <a16:creationId xmlns:a16="http://schemas.microsoft.com/office/drawing/2014/main" id="{3778C15B-E6C7-B1E3-15DD-F17B1373A160}"/>
+          <p:cNvPr id="8" name="Picture 8" descr="Diagram&#10;&#10;Description automatically generated">
+            <a:extLst>
+              <a:ext uri="{FF2B5EF4-FFF2-40B4-BE49-F238E27FC236}">
+                <a16:creationId xmlns:a16="http://schemas.microsoft.com/office/drawing/2014/main" id="{4E3ECB45-31FB-EF66-2835-14EC682CBA89}"/>
               </a:ext>
             </a:extLst>
           </p:cNvPr>
@@ -4827,8 +4856,8 @@
         </p:blipFill>
         <p:spPr>
           <a:xfrm>
-            <a:off x="5041900" y="739652"/>
-            <a:ext cx="6500282" cy="4711945"/>
+            <a:off x="3621741" y="1684019"/>
+            <a:ext cx="5674658" cy="4431255"/>
           </a:xfrm>
           <a:prstGeom prst="rect">
             <a:avLst/>
@@ -4838,7 +4867,7 @@
     </p:spTree>
     <p:extLst>
       <p:ext uri="{BB962C8B-B14F-4D97-AF65-F5344CB8AC3E}">
-        <p14:creationId xmlns:p14="http://schemas.microsoft.com/office/powerpoint/2010/main" val="120694864"/>
+        <p14:creationId xmlns:p14="http://schemas.microsoft.com/office/powerpoint/2010/main" val="2496721313"/>
       </p:ext>
     </p:extLst>
   </p:cSld>
@@ -4898,11 +4927,11 @@
           <a:p>
             <a:r>
               <a:rPr lang="en-US" dirty="0"/>
-              <a:t>3.   </a:t>
+              <a:t>2.   </a:t>
             </a:r>
             <a:r>
               <a:rPr lang="en-US" b="1" dirty="0"/>
-              <a:t>Software Components</a:t>
+              <a:t>Service Overview</a:t>
             </a:r>
           </a:p>
           <a:p>
@@ -4943,7 +4972,7 @@
           <a:p>
             <a:r>
               <a:rPr lang="en-US" dirty="0"/>
-              <a:t>3.2 Web Server</a:t>
+              <a:t>2.3 Video Server Service</a:t>
             </a:r>
           </a:p>
         </p:txBody>
@@ -4962,8 +4991,8 @@
         </p:nvSpPr>
         <p:spPr>
           <a:xfrm>
-            <a:off x="276991" y="969288"/>
-            <a:ext cx="4072758" cy="3016210"/>
+            <a:off x="415570" y="857727"/>
+            <a:ext cx="10876969" cy="738664"/>
           </a:xfrm>
           <a:prstGeom prst="rect">
             <a:avLst/>
@@ -4979,64 +5008,75 @@
           </a:bodyPr>
           <a:lstStyle/>
           <a:p>
-            <a:r>
-              <a:rPr lang="en-US" sz="1400" dirty="0">
-                <a:ea typeface="+mn-lt"/>
-                <a:cs typeface="+mn-lt"/>
-              </a:rPr>
-              <a:t>The software of the web server is quite similar to that of the video server. However, there are a few key differences:</a:t>
-            </a:r>
-            <a:endParaRPr lang="en-US" dirty="0">
-              <a:ea typeface="+mn-lt"/>
-              <a:cs typeface="+mn-lt"/>
-            </a:endParaRPr>
-          </a:p>
-          <a:p>
-            <a:endParaRPr lang="en-US"/>
-          </a:p>
-          <a:p>
             <a:pPr marL="285750" indent="-285750">
-              <a:buFont typeface="Arial"/>
-              <a:buChar char="•"/>
+              <a:buFont typeface="Calibri"/>
+              <a:buChar char="-"/>
             </a:pPr>
             <a:r>
-              <a:rPr lang="en-US" sz="1400" dirty="0">
-                <a:ea typeface="+mn-lt"/>
-                <a:cs typeface="+mn-lt"/>
-              </a:rPr>
-              <a:t>Db: This component handles persistent storage and is responsible for storing the user interface (UI) configurations provided by the users.</a:t>
-            </a:r>
-            <a:endParaRPr lang="en-US" dirty="0"/>
+              <a:rPr lang="en-US" sz="1400" dirty="0"/>
+              <a:t>Mounting Videos and Ai models from NFS volume and processing them</a:t>
+            </a:r>
           </a:p>
           <a:p>
             <a:pPr marL="285750" indent="-285750">
-              <a:buFont typeface="Arial"/>
-              <a:buChar char="•"/>
+              <a:buFont typeface="Calibri"/>
+              <a:buChar char="-"/>
             </a:pPr>
-            <a:endParaRPr lang="en-US"/>
-          </a:p>
+            <a:r>
+              <a:rPr lang="en-US" sz="1400" dirty="0"/>
+              <a:t>Response frame data  to Web Server service request</a:t>
+            </a:r>
+          </a:p>
+          <a:p>
+            <a:endParaRPr lang="en-US" sz="1400" dirty="0"/>
+          </a:p>
+        </p:txBody>
+      </p:sp>
+      <p:sp>
+        <p:nvSpPr>
+          <p:cNvPr id="7" name="TextBox 6">
+            <a:extLst>
+              <a:ext uri="{FF2B5EF4-FFF2-40B4-BE49-F238E27FC236}">
+                <a16:creationId xmlns:a16="http://schemas.microsoft.com/office/drawing/2014/main" id="{1A01EBE5-961C-6FE8-DAC3-52280EFBD24D}"/>
+              </a:ext>
+            </a:extLst>
+          </p:cNvPr>
+          <p:cNvSpPr txBox="1"/>
+          <p:nvPr/>
+        </p:nvSpPr>
+        <p:spPr>
+          <a:xfrm>
+            <a:off x="245241" y="1888668"/>
+            <a:ext cx="4072758" cy="307777"/>
+          </a:xfrm>
+          <a:prstGeom prst="rect">
+            <a:avLst/>
+          </a:prstGeom>
+          <a:noFill/>
+        </p:spPr>
+        <p:txBody>
+          <a:bodyPr rot="0" spcFirstLastPara="0" vertOverflow="overflow" horzOverflow="overflow" vert="horz" wrap="square" lIns="91440" tIns="45720" rIns="91440" bIns="45720" numCol="1" spcCol="0" rtlCol="0" fromWordArt="0" anchor="t" anchorCtr="0" forceAA="0" compatLnSpc="1">
+            <a:prstTxWarp prst="textNoShape">
+              <a:avLst/>
+            </a:prstTxWarp>
+            <a:spAutoFit/>
+          </a:bodyPr>
+          <a:lstStyle/>
           <a:p>
             <a:pPr marL="285750" indent="-285750">
-              <a:buFont typeface="Arial"/>
-              <a:buChar char="•"/>
+              <a:buFont typeface="Calibri"/>
+              <a:buChar char="-"/>
             </a:pPr>
-            <a:r>
-              <a:rPr lang="en-US" sz="1400" dirty="0">
-                <a:ea typeface="+mn-lt"/>
-                <a:cs typeface="+mn-lt"/>
-              </a:rPr>
-              <a:t>Service: In contrast to the video server, the service component of the web server now handles web services instead of video processing.</a:t>
-            </a:r>
             <a:endParaRPr lang="en-US" sz="1400" dirty="0"/>
           </a:p>
         </p:txBody>
       </p:sp>
       <p:pic>
         <p:nvPicPr>
-          <p:cNvPr id="2" name="Picture 5" descr="Diagram&#10;&#10;Description automatically generated">
-            <a:extLst>
-              <a:ext uri="{FF2B5EF4-FFF2-40B4-BE49-F238E27FC236}">
-                <a16:creationId xmlns:a16="http://schemas.microsoft.com/office/drawing/2014/main" id="{3FB99BB3-7CAD-8869-AA7A-1CC35A02629B}"/>
+          <p:cNvPr id="6" name="Picture 7" descr="Diagram&#10;&#10;Description automatically generated">
+            <a:extLst>
+              <a:ext uri="{FF2B5EF4-FFF2-40B4-BE49-F238E27FC236}">
+                <a16:creationId xmlns:a16="http://schemas.microsoft.com/office/drawing/2014/main" id="{AFBD826A-4C43-02C3-6366-685FA307FEB3}"/>
               </a:ext>
             </a:extLst>
           </p:cNvPr>
@@ -5045,16 +5085,15 @@
           </p:cNvPicPr>
           <p:nvPr/>
         </p:nvPicPr>
-        <p:blipFill>
+        <p:blipFill rotWithShape="1">
           <a:blip r:embed="rId2"/>
-          <a:stretch>
-            <a:fillRect/>
-          </a:stretch>
+          <a:srcRect t="10893" r="-5904" b="4793"/>
+          <a:stretch/>
         </p:blipFill>
         <p:spPr>
           <a:xfrm>
-            <a:off x="4639734" y="1158057"/>
-            <a:ext cx="7410450" cy="3652887"/>
+            <a:off x="4084209" y="1490382"/>
+            <a:ext cx="3745585" cy="5056087"/>
           </a:xfrm>
           <a:prstGeom prst="rect">
             <a:avLst/>
@@ -5064,7 +5103,7 @@
     </p:spTree>
     <p:extLst>
       <p:ext uri="{BB962C8B-B14F-4D97-AF65-F5344CB8AC3E}">
-        <p14:creationId xmlns:p14="http://schemas.microsoft.com/office/powerpoint/2010/main" val="1749431441"/>
+        <p14:creationId xmlns:p14="http://schemas.microsoft.com/office/powerpoint/2010/main" val="3567023073"/>
       </p:ext>
     </p:extLst>
   </p:cSld>
@@ -5106,7 +5145,7 @@
         <p:spPr>
           <a:xfrm>
             <a:off x="69272" y="89064"/>
-            <a:ext cx="11776363" cy="646331"/>
+            <a:ext cx="11776363" cy="369332"/>
           </a:xfrm>
           <a:prstGeom prst="rect">
             <a:avLst/>
@@ -5128,20 +5167,17 @@
             </a:r>
             <a:r>
               <a:rPr lang="en-US" b="1" dirty="0"/>
-              <a:t>Software Components</a:t>
-            </a:r>
-          </a:p>
-          <a:p>
-            <a:endParaRPr lang="en-US" b="1" dirty="0"/>
-          </a:p>
-        </p:txBody>
-      </p:sp>
-      <p:sp>
-        <p:nvSpPr>
-          <p:cNvPr id="4" name="TextBox 3">
-            <a:extLst>
-              <a:ext uri="{FF2B5EF4-FFF2-40B4-BE49-F238E27FC236}">
-                <a16:creationId xmlns:a16="http://schemas.microsoft.com/office/drawing/2014/main" id="{EA45D5FE-FE46-22CD-520F-BD40D6FC2FD1}"/>
+              <a:t>System Evaluation</a:t>
+            </a:r>
+          </a:p>
+        </p:txBody>
+      </p:sp>
+      <p:sp>
+        <p:nvSpPr>
+          <p:cNvPr id="2" name="TextBox 1">
+            <a:extLst>
+              <a:ext uri="{FF2B5EF4-FFF2-40B4-BE49-F238E27FC236}">
+                <a16:creationId xmlns:a16="http://schemas.microsoft.com/office/drawing/2014/main" id="{4A526460-70D9-FD66-5129-B2FF13225F28}"/>
               </a:ext>
             </a:extLst>
           </p:cNvPr>
@@ -5150,8 +5186,8 @@
         </p:nvSpPr>
         <p:spPr>
           <a:xfrm>
-            <a:off x="350344" y="437931"/>
-            <a:ext cx="7584965" cy="369332"/>
+            <a:off x="290286" y="553356"/>
+            <a:ext cx="10813142" cy="369332"/>
           </a:xfrm>
           <a:prstGeom prst="rect">
             <a:avLst/>
@@ -5169,17 +5205,50 @@
           <a:p>
             <a:r>
               <a:rPr lang="en-US" dirty="0"/>
-              <a:t>3.2 Web Server</a:t>
-            </a:r>
-          </a:p>
-        </p:txBody>
-      </p:sp>
-      <p:sp>
-        <p:nvSpPr>
-          <p:cNvPr id="5" name="TextBox 4">
-            <a:extLst>
-              <a:ext uri="{FF2B5EF4-FFF2-40B4-BE49-F238E27FC236}">
-                <a16:creationId xmlns:a16="http://schemas.microsoft.com/office/drawing/2014/main" id="{66F0B8B8-4475-CFE4-261B-3CE76B7B8615}"/>
+              <a:t>3.1 Testing with </a:t>
+            </a:r>
+            <a:r>
+              <a:rPr lang="en-US" dirty="0" err="1"/>
+              <a:t>Jmeter</a:t>
+            </a:r>
+          </a:p>
+        </p:txBody>
+      </p:sp>
+      <p:pic>
+        <p:nvPicPr>
+          <p:cNvPr id="5" name="Picture 5" descr="Text&#10;&#10;Description automatically generated">
+            <a:extLst>
+              <a:ext uri="{FF2B5EF4-FFF2-40B4-BE49-F238E27FC236}">
+                <a16:creationId xmlns:a16="http://schemas.microsoft.com/office/drawing/2014/main" id="{7890C5F2-DFDC-5AB2-BF4D-0F0C34A155EB}"/>
+              </a:ext>
+            </a:extLst>
+          </p:cNvPr>
+          <p:cNvPicPr>
+            <a:picLocks noChangeAspect="1"/>
+          </p:cNvPicPr>
+          <p:nvPr/>
+        </p:nvPicPr>
+        <p:blipFill rotWithShape="1">
+          <a:blip r:embed="rId2"/>
+          <a:srcRect l="29" t="93" r="148" b="37741"/>
+          <a:stretch/>
+        </p:blipFill>
+        <p:spPr>
+          <a:xfrm>
+            <a:off x="5696857" y="275028"/>
+            <a:ext cx="6115974" cy="2041665"/>
+          </a:xfrm>
+          <a:prstGeom prst="rect">
+            <a:avLst/>
+          </a:prstGeom>
+        </p:spPr>
+      </p:pic>
+      <p:sp>
+        <p:nvSpPr>
+          <p:cNvPr id="6" name="TextBox 5">
+            <a:extLst>
+              <a:ext uri="{FF2B5EF4-FFF2-40B4-BE49-F238E27FC236}">
+                <a16:creationId xmlns:a16="http://schemas.microsoft.com/office/drawing/2014/main" id="{E148A4DC-D7FC-CE93-381E-0B81522D1900}"/>
               </a:ext>
             </a:extLst>
           </p:cNvPr>
@@ -5188,8 +5257,8 @@
         </p:nvSpPr>
         <p:spPr>
           <a:xfrm>
-            <a:off x="276991" y="969288"/>
-            <a:ext cx="4072758" cy="2462213"/>
+            <a:off x="435428" y="1016000"/>
+            <a:ext cx="3692071" cy="2677656"/>
           </a:xfrm>
           <a:prstGeom prst="rect">
             <a:avLst/>
@@ -5211,9 +5280,17 @@
             </a:pPr>
             <a:r>
               <a:rPr lang="en-US" sz="1400" dirty="0"/>
-              <a:t>Each view on the same window spawns a new thread that create an instance of client, in this case is GRPC Client, that all connect to the same port and send request to the server.</a:t>
-            </a:r>
-            <a:endParaRPr lang="en-US"/>
+              <a:t>Using </a:t>
+            </a:r>
+            <a:r>
+              <a:rPr lang="en-US" sz="1400" dirty="0" err="1"/>
+              <a:t>jmeter</a:t>
+            </a:r>
+            <a:r>
+              <a:rPr lang="en-US" sz="1400" dirty="0"/>
+              <a:t>, I have been able to send up to 100 consecutive request to the web server.</a:t>
+            </a:r>
+            <a:endParaRPr lang="en-US" dirty="0"/>
           </a:p>
           <a:p>
             <a:pPr marL="285750" indent="-285750">
@@ -5229,30 +5306,30 @@
             </a:pPr>
             <a:r>
               <a:rPr lang="en-US" sz="1400" dirty="0"/>
-              <a:t>Client then will wait for frame data stream from server and send an ack back when it finishes</a:t>
+              <a:t>Even with those amounts of requests coming, you still can open up that website in your browser and watch the video.</a:t>
             </a:r>
           </a:p>
           <a:p>
             <a:endParaRPr lang="en-US" sz="1400" dirty="0"/>
           </a:p>
           <a:p>
-            <a:r>
-              <a:rPr lang="en-US" sz="1400" dirty="0">
-                <a:ea typeface="+mn-lt"/>
-                <a:cs typeface="+mn-lt"/>
-              </a:rPr>
-              <a:t>This approach allows multiple views to be handled concurrently</a:t>
-            </a:r>
-            <a:endParaRPr lang="en-US" sz="1400" dirty="0"/>
+            <a:pPr marL="285750" indent="-285750">
+              <a:buFont typeface="Arial"/>
+              <a:buChar char="•"/>
+            </a:pPr>
+            <a:r>
+              <a:rPr lang="en-US" sz="1400" dirty="0"/>
+              <a:t>Of course the performance is miserable. But we can say that this is just a limitation in hardware.</a:t>
+            </a:r>
           </a:p>
         </p:txBody>
       </p:sp>
       <p:pic>
         <p:nvPicPr>
-          <p:cNvPr id="6" name="Picture 6" descr="Diagram&#10;&#10;Description automatically generated">
-            <a:extLst>
-              <a:ext uri="{FF2B5EF4-FFF2-40B4-BE49-F238E27FC236}">
-                <a16:creationId xmlns:a16="http://schemas.microsoft.com/office/drawing/2014/main" id="{401FC454-C9D6-EAA9-41D3-357FFB251AC0}"/>
+          <p:cNvPr id="7" name="Picture 7">
+            <a:extLst>
+              <a:ext uri="{FF2B5EF4-FFF2-40B4-BE49-F238E27FC236}">
+                <a16:creationId xmlns:a16="http://schemas.microsoft.com/office/drawing/2014/main" id="{0E2BE5EE-C03B-9CB7-452C-8D2FF97A1D6D}"/>
               </a:ext>
             </a:extLst>
           </p:cNvPr>
@@ -5262,25 +5339,506 @@
           <p:nvPr/>
         </p:nvPicPr>
         <p:blipFill>
-          <a:blip r:embed="rId2"/>
+          <a:blip r:embed="rId3"/>
           <a:stretch>
             <a:fillRect/>
           </a:stretch>
         </p:blipFill>
         <p:spPr>
           <a:xfrm>
-            <a:off x="5532018" y="892860"/>
-            <a:ext cx="5941191" cy="5154756"/>
+            <a:off x="5695044" y="2500893"/>
+            <a:ext cx="6154055" cy="1112354"/>
           </a:xfrm>
           <a:prstGeom prst="rect">
             <a:avLst/>
           </a:prstGeom>
         </p:spPr>
       </p:pic>
+      <p:pic>
+        <p:nvPicPr>
+          <p:cNvPr id="8" name="Picture 8">
+            <a:extLst>
+              <a:ext uri="{FF2B5EF4-FFF2-40B4-BE49-F238E27FC236}">
+                <a16:creationId xmlns:a16="http://schemas.microsoft.com/office/drawing/2014/main" id="{5BF9B1FF-C189-8E48-4022-BEA4930E2571}"/>
+              </a:ext>
+            </a:extLst>
+          </p:cNvPr>
+          <p:cNvPicPr>
+            <a:picLocks noChangeAspect="1"/>
+          </p:cNvPicPr>
+          <p:nvPr/>
+        </p:nvPicPr>
+        <p:blipFill>
+          <a:blip r:embed="rId4"/>
+          <a:stretch>
+            <a:fillRect/>
+          </a:stretch>
+        </p:blipFill>
+        <p:spPr>
+          <a:xfrm>
+            <a:off x="5649686" y="3696889"/>
+            <a:ext cx="4884056" cy="2466865"/>
+          </a:xfrm>
+          <a:prstGeom prst="rect">
+            <a:avLst/>
+          </a:prstGeom>
+        </p:spPr>
+      </p:pic>
+      <p:sp>
+        <p:nvSpPr>
+          <p:cNvPr id="10" name="Arrow: Right 9">
+            <a:extLst>
+              <a:ext uri="{FF2B5EF4-FFF2-40B4-BE49-F238E27FC236}">
+                <a16:creationId xmlns:a16="http://schemas.microsoft.com/office/drawing/2014/main" id="{924B5674-6622-0D9B-0063-D64EC8E94E4B}"/>
+              </a:ext>
+            </a:extLst>
+          </p:cNvPr>
+          <p:cNvSpPr/>
+          <p:nvPr/>
+        </p:nvSpPr>
+        <p:spPr>
+          <a:xfrm>
+            <a:off x="226785" y="4354284"/>
+            <a:ext cx="426357" cy="362857"/>
+          </a:xfrm>
+          <a:prstGeom prst="rightArrow">
+            <a:avLst/>
+          </a:prstGeom>
+        </p:spPr>
+        <p:style>
+          <a:lnRef idx="2">
+            <a:schemeClr val="accent1">
+              <a:shade val="15000"/>
+            </a:schemeClr>
+          </a:lnRef>
+          <a:fillRef idx="1">
+            <a:schemeClr val="accent1"/>
+          </a:fillRef>
+          <a:effectRef idx="0">
+            <a:schemeClr val="accent1"/>
+          </a:effectRef>
+          <a:fontRef idx="minor">
+            <a:schemeClr val="lt1"/>
+          </a:fontRef>
+        </p:style>
+        <p:txBody>
+          <a:bodyPr rtlCol="0" anchor="ctr"/>
+          <a:lstStyle/>
+          <a:p>
+            <a:pPr algn="ctr"/>
+            <a:endParaRPr lang="en-US"/>
+          </a:p>
+        </p:txBody>
+      </p:sp>
+      <p:sp>
+        <p:nvSpPr>
+          <p:cNvPr id="11" name="TextBox 10">
+            <a:extLst>
+              <a:ext uri="{FF2B5EF4-FFF2-40B4-BE49-F238E27FC236}">
+                <a16:creationId xmlns:a16="http://schemas.microsoft.com/office/drawing/2014/main" id="{C8E85C37-C7F4-4B35-9432-E27274176C9B}"/>
+              </a:ext>
+            </a:extLst>
+          </p:cNvPr>
+          <p:cNvSpPr txBox="1"/>
+          <p:nvPr/>
+        </p:nvSpPr>
+        <p:spPr>
+          <a:xfrm>
+            <a:off x="771070" y="4281714"/>
+            <a:ext cx="4073071" cy="646331"/>
+          </a:xfrm>
+          <a:prstGeom prst="rect">
+            <a:avLst/>
+          </a:prstGeom>
+          <a:noFill/>
+        </p:spPr>
+        <p:txBody>
+          <a:bodyPr rot="0" spcFirstLastPara="0" vertOverflow="overflow" horzOverflow="overflow" vert="horz" wrap="square" lIns="91440" tIns="45720" rIns="91440" bIns="45720" numCol="1" spcCol="0" rtlCol="0" fromWordArt="0" anchor="t" anchorCtr="0" forceAA="0" compatLnSpc="1">
+            <a:prstTxWarp prst="textNoShape">
+              <a:avLst/>
+            </a:prstTxWarp>
+            <a:spAutoFit/>
+          </a:bodyPr>
+          <a:lstStyle/>
+          <a:p>
+            <a:r>
+              <a:rPr lang="en-US" b="1" dirty="0"/>
+              <a:t>Still can expand more with better hardware</a:t>
+            </a:r>
+          </a:p>
+        </p:txBody>
+      </p:sp>
     </p:spTree>
     <p:extLst>
       <p:ext uri="{BB962C8B-B14F-4D97-AF65-F5344CB8AC3E}">
-        <p14:creationId xmlns:p14="http://schemas.microsoft.com/office/powerpoint/2010/main" val="1421110874"/>
+        <p14:creationId xmlns:p14="http://schemas.microsoft.com/office/powerpoint/2010/main" val="1920007267"/>
+      </p:ext>
+    </p:extLst>
+  </p:cSld>
+  <p:clrMapOvr>
+    <a:masterClrMapping/>
+  </p:clrMapOvr>
+</p:sld>
+</file>
+
+<file path=ppt/slides/slide9.xml><?xml version="1.0" encoding="utf-8"?>
+<p:sld xmlns:a="http://schemas.openxmlformats.org/drawingml/2006/main" xmlns:r="http://schemas.openxmlformats.org/officeDocument/2006/relationships" xmlns:p="http://schemas.openxmlformats.org/presentationml/2006/main">
+  <p:cSld>
+    <p:spTree>
+      <p:nvGrpSpPr>
+        <p:cNvPr id="1" name=""/>
+        <p:cNvGrpSpPr/>
+        <p:nvPr/>
+      </p:nvGrpSpPr>
+      <p:grpSpPr>
+        <a:xfrm>
+          <a:off x="0" y="0"/>
+          <a:ext cx="0" cy="0"/>
+          <a:chOff x="0" y="0"/>
+          <a:chExt cx="0" cy="0"/>
+        </a:xfrm>
+      </p:grpSpPr>
+      <p:sp>
+        <p:nvSpPr>
+          <p:cNvPr id="3" name="TextBox 2">
+            <a:extLst>
+              <a:ext uri="{FF2B5EF4-FFF2-40B4-BE49-F238E27FC236}">
+                <a16:creationId xmlns:a16="http://schemas.microsoft.com/office/drawing/2014/main" id="{7E9BDFB7-5980-213D-2FE0-7F7A2F8568F0}"/>
+              </a:ext>
+            </a:extLst>
+          </p:cNvPr>
+          <p:cNvSpPr txBox="1"/>
+          <p:nvPr/>
+        </p:nvSpPr>
+        <p:spPr>
+          <a:xfrm>
+            <a:off x="69272" y="89064"/>
+            <a:ext cx="11776363" cy="369332"/>
+          </a:xfrm>
+          <a:prstGeom prst="rect">
+            <a:avLst/>
+          </a:prstGeom>
+          <a:noFill/>
+        </p:spPr>
+        <p:txBody>
+          <a:bodyPr rot="0" spcFirstLastPara="0" vertOverflow="overflow" horzOverflow="overflow" vert="horz" wrap="square" lIns="91440" tIns="45720" rIns="91440" bIns="45720" numCol="1" spcCol="0" rtlCol="0" fromWordArt="0" anchor="t" anchorCtr="0" forceAA="0" compatLnSpc="1">
+            <a:prstTxWarp prst="textNoShape">
+              <a:avLst/>
+            </a:prstTxWarp>
+            <a:spAutoFit/>
+          </a:bodyPr>
+          <a:lstStyle/>
+          <a:p>
+            <a:r>
+              <a:rPr lang="en-US" dirty="0"/>
+              <a:t>3.   </a:t>
+            </a:r>
+            <a:r>
+              <a:rPr lang="en-US" b="1" dirty="0"/>
+              <a:t>System Evaluation</a:t>
+            </a:r>
+          </a:p>
+        </p:txBody>
+      </p:sp>
+      <p:sp>
+        <p:nvSpPr>
+          <p:cNvPr id="2" name="TextBox 1">
+            <a:extLst>
+              <a:ext uri="{FF2B5EF4-FFF2-40B4-BE49-F238E27FC236}">
+                <a16:creationId xmlns:a16="http://schemas.microsoft.com/office/drawing/2014/main" id="{4A526460-70D9-FD66-5129-B2FF13225F28}"/>
+              </a:ext>
+            </a:extLst>
+          </p:cNvPr>
+          <p:cNvSpPr txBox="1"/>
+          <p:nvPr/>
+        </p:nvSpPr>
+        <p:spPr>
+          <a:xfrm>
+            <a:off x="290286" y="553356"/>
+            <a:ext cx="10813142" cy="369332"/>
+          </a:xfrm>
+          <a:prstGeom prst="rect">
+            <a:avLst/>
+          </a:prstGeom>
+          <a:noFill/>
+        </p:spPr>
+        <p:txBody>
+          <a:bodyPr rot="0" spcFirstLastPara="0" vertOverflow="overflow" horzOverflow="overflow" vert="horz" wrap="square" lIns="91440" tIns="45720" rIns="91440" bIns="45720" numCol="1" spcCol="0" rtlCol="0" fromWordArt="0" anchor="t" anchorCtr="0" forceAA="0" compatLnSpc="1">
+            <a:prstTxWarp prst="textNoShape">
+              <a:avLst/>
+            </a:prstTxWarp>
+            <a:spAutoFit/>
+          </a:bodyPr>
+          <a:lstStyle/>
+          <a:p>
+            <a:r>
+              <a:rPr lang="en-US" dirty="0"/>
+              <a:t>3.2 Testing manually</a:t>
+            </a:r>
+          </a:p>
+        </p:txBody>
+      </p:sp>
+      <p:sp>
+        <p:nvSpPr>
+          <p:cNvPr id="6" name="TextBox 5">
+            <a:extLst>
+              <a:ext uri="{FF2B5EF4-FFF2-40B4-BE49-F238E27FC236}">
+                <a16:creationId xmlns:a16="http://schemas.microsoft.com/office/drawing/2014/main" id="{E148A4DC-D7FC-CE93-381E-0B81522D1900}"/>
+              </a:ext>
+            </a:extLst>
+          </p:cNvPr>
+          <p:cNvSpPr txBox="1"/>
+          <p:nvPr/>
+        </p:nvSpPr>
+        <p:spPr>
+          <a:xfrm>
+            <a:off x="435428" y="1016000"/>
+            <a:ext cx="3692071" cy="3539430"/>
+          </a:xfrm>
+          <a:prstGeom prst="rect">
+            <a:avLst/>
+          </a:prstGeom>
+          <a:noFill/>
+        </p:spPr>
+        <p:txBody>
+          <a:bodyPr rot="0" spcFirstLastPara="0" vertOverflow="overflow" horzOverflow="overflow" vert="horz" wrap="square" lIns="91440" tIns="45720" rIns="91440" bIns="45720" numCol="1" spcCol="0" rtlCol="0" fromWordArt="0" anchor="t" anchorCtr="0" forceAA="0" compatLnSpc="1">
+            <a:prstTxWarp prst="textNoShape">
+              <a:avLst/>
+            </a:prstTxWarp>
+            <a:spAutoFit/>
+          </a:bodyPr>
+          <a:lstStyle/>
+          <a:p>
+            <a:pPr marL="285750" indent="-285750">
+              <a:buFont typeface="Arial"/>
+              <a:buChar char="•"/>
+            </a:pPr>
+            <a:endParaRPr lang="en-US" sz="1400" dirty="0"/>
+          </a:p>
+          <a:p>
+            <a:pPr marL="285750" indent="-285750">
+              <a:buFont typeface="Arial"/>
+              <a:buChar char="•"/>
+            </a:pPr>
+            <a:r>
+              <a:rPr lang="en-US" sz="1400" dirty="0"/>
+              <a:t>We only be able to open up to 6 new tabs because the 7 tab refuse to load anything until I close one of other tab</a:t>
+            </a:r>
+          </a:p>
+          <a:p>
+            <a:pPr marL="285750" indent="-285750">
+              <a:buFont typeface="Arial"/>
+              <a:buChar char="•"/>
+            </a:pPr>
+            <a:endParaRPr lang="en-US" sz="1400" dirty="0"/>
+          </a:p>
+          <a:p>
+            <a:pPr marL="285750" indent="-285750">
+              <a:buFont typeface="Arial"/>
+              <a:buChar char="•"/>
+            </a:pPr>
+            <a:r>
+              <a:rPr lang="en-US" sz="1400" dirty="0"/>
+              <a:t>The 7 tabs won't send any request to flask backend too</a:t>
+            </a:r>
+          </a:p>
+          <a:p>
+            <a:pPr marL="285750" indent="-285750">
+              <a:buFont typeface="Arial"/>
+              <a:buChar char="•"/>
+            </a:pPr>
+            <a:endParaRPr lang="en-US" sz="1400" dirty="0"/>
+          </a:p>
+          <a:p>
+            <a:pPr marL="285750" indent="-285750">
+              <a:buFont typeface="Arial"/>
+              <a:buChar char="•"/>
+            </a:pPr>
+            <a:r>
+              <a:rPr lang="en-US" sz="1400" dirty="0"/>
+              <a:t>During this time period, the CPU consumption is reaching its limit</a:t>
+            </a:r>
+          </a:p>
+          <a:p>
+            <a:pPr marL="285750" indent="-285750">
+              <a:buFont typeface="Arial"/>
+              <a:buChar char="•"/>
+            </a:pPr>
+            <a:endParaRPr lang="en-US" sz="1400" dirty="0"/>
+          </a:p>
+          <a:p>
+            <a:pPr marL="285750" indent="-285750">
+              <a:buFont typeface="Arial"/>
+              <a:buChar char="•"/>
+            </a:pPr>
+            <a:r>
+              <a:rPr lang="en-US" sz="1400" dirty="0"/>
+              <a:t>I have also tried to send smaller image from video server but result are still the same</a:t>
+            </a:r>
+          </a:p>
+          <a:p>
+            <a:pPr marL="285750" indent="-285750">
+              <a:buFont typeface="Arial"/>
+              <a:buChar char="•"/>
+            </a:pPr>
+            <a:endParaRPr lang="en-US" sz="1400" dirty="0"/>
+          </a:p>
+          <a:p>
+            <a:pPr marL="285750" indent="-285750">
+              <a:buFont typeface="Arial"/>
+              <a:buChar char="•"/>
+            </a:pPr>
+            <a:endParaRPr lang="en-US" sz="1400" dirty="0"/>
+          </a:p>
+        </p:txBody>
+      </p:sp>
+      <p:pic>
+        <p:nvPicPr>
+          <p:cNvPr id="4" name="Picture 8" descr="Graphical user interface, text, application&#10;&#10;Description automatically generated">
+            <a:extLst>
+              <a:ext uri="{FF2B5EF4-FFF2-40B4-BE49-F238E27FC236}">
+                <a16:creationId xmlns:a16="http://schemas.microsoft.com/office/drawing/2014/main" id="{968687C2-C985-774E-7856-E53E8AE0D2C0}"/>
+              </a:ext>
+            </a:extLst>
+          </p:cNvPr>
+          <p:cNvPicPr>
+            <a:picLocks noChangeAspect="1"/>
+          </p:cNvPicPr>
+          <p:nvPr/>
+        </p:nvPicPr>
+        <p:blipFill rotWithShape="1">
+          <a:blip r:embed="rId2"/>
+          <a:srcRect r="184" b="34975"/>
+          <a:stretch/>
+        </p:blipFill>
+        <p:spPr>
+          <a:xfrm>
+            <a:off x="6801756" y="275028"/>
+            <a:ext cx="4920355" cy="2397007"/>
+          </a:xfrm>
+          <a:prstGeom prst="rect">
+            <a:avLst/>
+          </a:prstGeom>
+        </p:spPr>
+      </p:pic>
+      <p:pic>
+        <p:nvPicPr>
+          <p:cNvPr id="9" name="Picture 9">
+            <a:extLst>
+              <a:ext uri="{FF2B5EF4-FFF2-40B4-BE49-F238E27FC236}">
+                <a16:creationId xmlns:a16="http://schemas.microsoft.com/office/drawing/2014/main" id="{C1DFEB8E-4C80-C7C4-29D2-88997B125D04}"/>
+              </a:ext>
+            </a:extLst>
+          </p:cNvPr>
+          <p:cNvPicPr>
+            <a:picLocks noChangeAspect="1"/>
+          </p:cNvPicPr>
+          <p:nvPr/>
+        </p:nvPicPr>
+        <p:blipFill>
+          <a:blip r:embed="rId3"/>
+          <a:stretch>
+            <a:fillRect/>
+          </a:stretch>
+        </p:blipFill>
+        <p:spPr>
+          <a:xfrm>
+            <a:off x="6801757" y="2938398"/>
+            <a:ext cx="4920342" cy="3475847"/>
+          </a:xfrm>
+          <a:prstGeom prst="rect">
+            <a:avLst/>
+          </a:prstGeom>
+        </p:spPr>
+      </p:pic>
+      <p:sp>
+        <p:nvSpPr>
+          <p:cNvPr id="10" name="Arrow: Right 9">
+            <a:extLst>
+              <a:ext uri="{FF2B5EF4-FFF2-40B4-BE49-F238E27FC236}">
+                <a16:creationId xmlns:a16="http://schemas.microsoft.com/office/drawing/2014/main" id="{FCBF532C-0515-DEA4-B01F-A29BFF20DF19}"/>
+              </a:ext>
+            </a:extLst>
+          </p:cNvPr>
+          <p:cNvSpPr/>
+          <p:nvPr/>
+        </p:nvSpPr>
+        <p:spPr>
+          <a:xfrm>
+            <a:off x="226785" y="4354284"/>
+            <a:ext cx="426357" cy="362857"/>
+          </a:xfrm>
+          <a:prstGeom prst="rightArrow">
+            <a:avLst/>
+          </a:prstGeom>
+        </p:spPr>
+        <p:style>
+          <a:lnRef idx="2">
+            <a:schemeClr val="accent1">
+              <a:shade val="15000"/>
+            </a:schemeClr>
+          </a:lnRef>
+          <a:fillRef idx="1">
+            <a:schemeClr val="accent1"/>
+          </a:fillRef>
+          <a:effectRef idx="0">
+            <a:schemeClr val="accent1"/>
+          </a:effectRef>
+          <a:fontRef idx="minor">
+            <a:schemeClr val="lt1"/>
+          </a:fontRef>
+        </p:style>
+        <p:txBody>
+          <a:bodyPr rtlCol="0" anchor="ctr"/>
+          <a:lstStyle/>
+          <a:p>
+            <a:pPr algn="ctr"/>
+            <a:endParaRPr lang="en-US"/>
+          </a:p>
+        </p:txBody>
+      </p:sp>
+      <p:sp>
+        <p:nvSpPr>
+          <p:cNvPr id="11" name="TextBox 10">
+            <a:extLst>
+              <a:ext uri="{FF2B5EF4-FFF2-40B4-BE49-F238E27FC236}">
+                <a16:creationId xmlns:a16="http://schemas.microsoft.com/office/drawing/2014/main" id="{98FA1200-3D44-9C1D-FF7C-75B16CE1AD9F}"/>
+              </a:ext>
+            </a:extLst>
+          </p:cNvPr>
+          <p:cNvSpPr txBox="1"/>
+          <p:nvPr/>
+        </p:nvSpPr>
+        <p:spPr>
+          <a:xfrm>
+            <a:off x="716642" y="4308928"/>
+            <a:ext cx="4980214" cy="1200329"/>
+          </a:xfrm>
+          <a:prstGeom prst="rect">
+            <a:avLst/>
+          </a:prstGeom>
+          <a:noFill/>
+        </p:spPr>
+        <p:txBody>
+          <a:bodyPr rot="0" spcFirstLastPara="0" vertOverflow="overflow" horzOverflow="overflow" vert="horz" wrap="square" lIns="91440" tIns="45720" rIns="91440" bIns="45720" numCol="1" spcCol="0" rtlCol="0" fromWordArt="0" anchor="t" anchorCtr="0" forceAA="0" compatLnSpc="1">
+            <a:prstTxWarp prst="textNoShape">
+              <a:avLst/>
+            </a:prstTxWarp>
+            <a:spAutoFit/>
+          </a:bodyPr>
+          <a:lstStyle/>
+          <a:p>
+            <a:r>
+              <a:rPr lang="en-US" b="1" dirty="0"/>
+              <a:t>Because the browser had to render the image sending from flask backend, it used up all the resources of the computer causing new tabs stop loading</a:t>
+            </a:r>
+          </a:p>
+        </p:txBody>
+      </p:sp>
+    </p:spTree>
+    <p:extLst>
+      <p:ext uri="{BB962C8B-B14F-4D97-AF65-F5344CB8AC3E}">
+        <p14:creationId xmlns:p14="http://schemas.microsoft.com/office/powerpoint/2010/main" val="412824307"/>
       </p:ext>
     </p:extLst>
   </p:cSld>

--- a/Docs/Overview.pptx
+++ b/Docs/Overview.pptx
@@ -12,9 +12,10 @@
     <p:sldId id="260" r:id="rId6"/>
     <p:sldId id="264" r:id="rId7"/>
     <p:sldId id="265" r:id="rId8"/>
-    <p:sldId id="266" r:id="rId9"/>
-    <p:sldId id="267" r:id="rId10"/>
-    <p:sldId id="268" r:id="rId11"/>
+    <p:sldId id="269" r:id="rId9"/>
+    <p:sldId id="270" r:id="rId10"/>
+    <p:sldId id="266" r:id="rId11"/>
+    <p:sldId id="268" r:id="rId12"/>
   </p:sldIdLst>
   <p:sldSz cx="12192000" cy="6858000"/>
   <p:notesSz cx="6858000" cy="9144000"/>
@@ -131,6 +132,7 @@
     <p1510:client id="{C292873F-CB25-BADC-EA8E-AAB22CFDA9F4}" v="5209" dt="2023-05-31T09:55:33.609"/>
     <p1510:client id="{C5739640-E766-43F9-819E-9CF33DE455CC}" v="1744" dt="2023-06-14T07:38:02.261"/>
     <p1510:client id="{C69C73FC-939A-4809-AA17-0AD92E033032}" v="245" dt="2023-06-13T11:06:18.448"/>
+    <p1510:client id="{EFCA8560-5830-4D0C-A0E0-D9604E5929AD}" v="1852" dt="2023-06-29T04:57:51.122"/>
   </p1510:revLst>
 </p1510:revInfo>
 </file>
@@ -291,7 +293,7 @@
           <a:p>
             <a:fld id="{D341B595-366B-43E2-A22E-EA6A78C03F06}" type="datetimeFigureOut">
               <a:rPr lang="en-US" smtClean="0"/>
-              <a:t>6/15/2023</a:t>
+              <a:t>6/28/2023</a:t>
             </a:fld>
             <a:endParaRPr lang="en-US"/>
           </a:p>
@@ -489,7 +491,7 @@
           <a:p>
             <a:fld id="{D341B595-366B-43E2-A22E-EA6A78C03F06}" type="datetimeFigureOut">
               <a:rPr lang="en-US" smtClean="0"/>
-              <a:t>6/15/2023</a:t>
+              <a:t>6/28/2023</a:t>
             </a:fld>
             <a:endParaRPr lang="en-US"/>
           </a:p>
@@ -698,7 +700,7 @@
           <a:p>
             <a:fld id="{D341B595-366B-43E2-A22E-EA6A78C03F06}" type="datetimeFigureOut">
               <a:rPr lang="en-US" smtClean="0"/>
-              <a:t>6/15/2023</a:t>
+              <a:t>6/28/2023</a:t>
             </a:fld>
             <a:endParaRPr lang="en-US"/>
           </a:p>
@@ -896,7 +898,7 @@
           <a:p>
             <a:fld id="{D341B595-366B-43E2-A22E-EA6A78C03F06}" type="datetimeFigureOut">
               <a:rPr lang="en-US" smtClean="0"/>
-              <a:t>6/15/2023</a:t>
+              <a:t>6/28/2023</a:t>
             </a:fld>
             <a:endParaRPr lang="en-US"/>
           </a:p>
@@ -1174,7 +1176,7 @@
           <a:p>
             <a:fld id="{D341B595-366B-43E2-A22E-EA6A78C03F06}" type="datetimeFigureOut">
               <a:rPr lang="en-US" smtClean="0"/>
-              <a:t>6/15/2023</a:t>
+              <a:t>6/28/2023</a:t>
             </a:fld>
             <a:endParaRPr lang="en-US"/>
           </a:p>
@@ -1442,7 +1444,7 @@
           <a:p>
             <a:fld id="{D341B595-366B-43E2-A22E-EA6A78C03F06}" type="datetimeFigureOut">
               <a:rPr lang="en-US" smtClean="0"/>
-              <a:t>6/15/2023</a:t>
+              <a:t>6/28/2023</a:t>
             </a:fld>
             <a:endParaRPr lang="en-US"/>
           </a:p>
@@ -1861,7 +1863,7 @@
           <a:p>
             <a:fld id="{D341B595-366B-43E2-A22E-EA6A78C03F06}" type="datetimeFigureOut">
               <a:rPr lang="en-US" smtClean="0"/>
-              <a:t>6/15/2023</a:t>
+              <a:t>6/28/2023</a:t>
             </a:fld>
             <a:endParaRPr lang="en-US"/>
           </a:p>
@@ -2002,7 +2004,7 @@
           <a:p>
             <a:fld id="{D341B595-366B-43E2-A22E-EA6A78C03F06}" type="datetimeFigureOut">
               <a:rPr lang="en-US" smtClean="0"/>
-              <a:t>6/15/2023</a:t>
+              <a:t>6/28/2023</a:t>
             </a:fld>
             <a:endParaRPr lang="en-US"/>
           </a:p>
@@ -2115,7 +2117,7 @@
           <a:p>
             <a:fld id="{D341B595-366B-43E2-A22E-EA6A78C03F06}" type="datetimeFigureOut">
               <a:rPr lang="en-US" smtClean="0"/>
-              <a:t>6/15/2023</a:t>
+              <a:t>6/28/2023</a:t>
             </a:fld>
             <a:endParaRPr lang="en-US"/>
           </a:p>
@@ -2430,7 +2432,7 @@
           <a:p>
             <a:fld id="{D341B595-366B-43E2-A22E-EA6A78C03F06}" type="datetimeFigureOut">
               <a:rPr lang="en-US" smtClean="0"/>
-              <a:t>6/15/2023</a:t>
+              <a:t>6/28/2023</a:t>
             </a:fld>
             <a:endParaRPr lang="en-US"/>
           </a:p>
@@ -2724,7 +2726,7 @@
           <a:p>
             <a:fld id="{D341B595-366B-43E2-A22E-EA6A78C03F06}" type="datetimeFigureOut">
               <a:rPr lang="en-US" smtClean="0"/>
-              <a:t>6/15/2023</a:t>
+              <a:t>6/28/2023</a:t>
             </a:fld>
             <a:endParaRPr lang="en-US"/>
           </a:p>
@@ -2964,7 +2966,7 @@
           <a:p>
             <a:fld id="{D341B595-366B-43E2-A22E-EA6A78C03F06}" type="datetimeFigureOut">
               <a:rPr lang="en-US" smtClean="0"/>
-              <a:t>6/15/2023</a:t>
+              <a:t>6/28/2023</a:t>
             </a:fld>
             <a:endParaRPr lang="en-US"/>
           </a:p>
@@ -3459,22 +3461,31 @@
           <a:lstStyle/>
           <a:p>
             <a:r>
-              <a:rPr lang="en-US" dirty="0"/>
-              <a:t>LOOK ASIDE</a:t>
-            </a:r>
-            <a:br>
-              <a:rPr lang="en-US" dirty="0"/>
-            </a:br>
-            <a:r>
-              <a:rPr lang="en-US" dirty="0"/>
-              <a:t>LOAD </a:t>
-            </a:r>
-            <a:br>
-              <a:rPr lang="en-US" dirty="0"/>
-            </a:br>
-            <a:r>
-              <a:rPr lang="en-US" dirty="0"/>
-              <a:t>BALANCER INVESTIGATION</a:t>
+              <a:rPr lang="en-US">
+                <a:ea typeface="+mj-lt"/>
+                <a:cs typeface="+mj-lt"/>
+              </a:rPr>
+              <a:t>VIDEO STREAMING</a:t>
+            </a:r>
+            <a:endParaRPr lang="en-US"/>
+          </a:p>
+          <a:p>
+            <a:r>
+              <a:rPr lang="en-US" dirty="0">
+                <a:ea typeface="+mj-lt"/>
+                <a:cs typeface="+mj-lt"/>
+              </a:rPr>
+              <a:t>CENTRALIZED</a:t>
+            </a:r>
+            <a:endParaRPr lang="en-US" dirty="0"/>
+          </a:p>
+          <a:p>
+            <a:r>
+              <a:rPr lang="en-US" dirty="0">
+                <a:ea typeface="+mj-lt"/>
+                <a:cs typeface="+mj-lt"/>
+              </a:rPr>
+              <a:t>ARCHITECTURE INVESTIGATION</a:t>
             </a:r>
           </a:p>
         </p:txBody>
@@ -3562,7 +3573,7 @@
                   <a:spcPts val="600"/>
                 </a:spcAft>
               </a:pPr>
-              <a:t>6/15/2023</a:t>
+              <a:t>6/28/2023</a:t>
             </a:fld>
             <a:endParaRPr lang="en-US">
               <a:solidFill>
@@ -3732,18 +3743,369 @@
           <a:lstStyle/>
           <a:p>
             <a:r>
+              <a:rPr lang="en-US" dirty="0"/>
+              <a:t>3.   </a:t>
+            </a:r>
+            <a:r>
+              <a:rPr lang="en-US" b="1" dirty="0"/>
+              <a:t>System Evaluation</a:t>
+            </a:r>
+          </a:p>
+        </p:txBody>
+      </p:sp>
+      <p:sp>
+        <p:nvSpPr>
+          <p:cNvPr id="2" name="TextBox 1">
+            <a:extLst>
+              <a:ext uri="{FF2B5EF4-FFF2-40B4-BE49-F238E27FC236}">
+                <a16:creationId xmlns:a16="http://schemas.microsoft.com/office/drawing/2014/main" id="{4A526460-70D9-FD66-5129-B2FF13225F28}"/>
+              </a:ext>
+            </a:extLst>
+          </p:cNvPr>
+          <p:cNvSpPr txBox="1"/>
+          <p:nvPr/>
+        </p:nvSpPr>
+        <p:spPr>
+          <a:xfrm>
+            <a:off x="290286" y="553356"/>
+            <a:ext cx="10813142" cy="369332"/>
+          </a:xfrm>
+          <a:prstGeom prst="rect">
+            <a:avLst/>
+          </a:prstGeom>
+          <a:noFill/>
+        </p:spPr>
+        <p:txBody>
+          <a:bodyPr rot="0" spcFirstLastPara="0" vertOverflow="overflow" horzOverflow="overflow" vert="horz" wrap="square" lIns="91440" tIns="45720" rIns="91440" bIns="45720" numCol="1" spcCol="0" rtlCol="0" fromWordArt="0" anchor="t" anchorCtr="0" forceAA="0" compatLnSpc="1">
+            <a:prstTxWarp prst="textNoShape">
+              <a:avLst/>
+            </a:prstTxWarp>
+            <a:spAutoFit/>
+          </a:bodyPr>
+          <a:lstStyle/>
+          <a:p>
+            <a:r>
+              <a:rPr lang="en-US" dirty="0"/>
+              <a:t>3.1 Testing with </a:t>
+            </a:r>
+            <a:r>
+              <a:rPr lang="en-US" dirty="0" err="1"/>
+              <a:t>Jmeter</a:t>
+            </a:r>
+          </a:p>
+        </p:txBody>
+      </p:sp>
+      <p:pic>
+        <p:nvPicPr>
+          <p:cNvPr id="5" name="Picture 5" descr="Text&#10;&#10;Description automatically generated">
+            <a:extLst>
+              <a:ext uri="{FF2B5EF4-FFF2-40B4-BE49-F238E27FC236}">
+                <a16:creationId xmlns:a16="http://schemas.microsoft.com/office/drawing/2014/main" id="{7890C5F2-DFDC-5AB2-BF4D-0F0C34A155EB}"/>
+              </a:ext>
+            </a:extLst>
+          </p:cNvPr>
+          <p:cNvPicPr>
+            <a:picLocks noChangeAspect="1"/>
+          </p:cNvPicPr>
+          <p:nvPr/>
+        </p:nvPicPr>
+        <p:blipFill rotWithShape="1">
+          <a:blip r:embed="rId2"/>
+          <a:srcRect l="29" t="93" r="148" b="37741"/>
+          <a:stretch/>
+        </p:blipFill>
+        <p:spPr>
+          <a:xfrm>
+            <a:off x="4370081" y="275028"/>
+            <a:ext cx="7639973" cy="3583595"/>
+          </a:xfrm>
+          <a:prstGeom prst="rect">
+            <a:avLst/>
+          </a:prstGeom>
+        </p:spPr>
+      </p:pic>
+      <p:sp>
+        <p:nvSpPr>
+          <p:cNvPr id="6" name="TextBox 5">
+            <a:extLst>
+              <a:ext uri="{FF2B5EF4-FFF2-40B4-BE49-F238E27FC236}">
+                <a16:creationId xmlns:a16="http://schemas.microsoft.com/office/drawing/2014/main" id="{E148A4DC-D7FC-CE93-381E-0B81522D1900}"/>
+              </a:ext>
+            </a:extLst>
+          </p:cNvPr>
+          <p:cNvSpPr txBox="1"/>
+          <p:nvPr/>
+        </p:nvSpPr>
+        <p:spPr>
+          <a:xfrm>
+            <a:off x="435428" y="1016000"/>
+            <a:ext cx="3692071" cy="2677656"/>
+          </a:xfrm>
+          <a:prstGeom prst="rect">
+            <a:avLst/>
+          </a:prstGeom>
+          <a:noFill/>
+        </p:spPr>
+        <p:txBody>
+          <a:bodyPr rot="0" spcFirstLastPara="0" vertOverflow="overflow" horzOverflow="overflow" vert="horz" wrap="square" lIns="91440" tIns="45720" rIns="91440" bIns="45720" numCol="1" spcCol="0" rtlCol="0" fromWordArt="0" anchor="t" anchorCtr="0" forceAA="0" compatLnSpc="1">
+            <a:prstTxWarp prst="textNoShape">
+              <a:avLst/>
+            </a:prstTxWarp>
+            <a:spAutoFit/>
+          </a:bodyPr>
+          <a:lstStyle/>
+          <a:p>
+            <a:pPr marL="285750" indent="-285750">
+              <a:buFont typeface="Arial"/>
+              <a:buChar char="•"/>
+            </a:pPr>
+            <a:r>
+              <a:rPr lang="en-US" sz="1400" dirty="0"/>
+              <a:t>Using </a:t>
+            </a:r>
+            <a:r>
+              <a:rPr lang="en-US" sz="1400" dirty="0" err="1"/>
+              <a:t>jmeter</a:t>
+            </a:r>
+            <a:r>
+              <a:rPr lang="en-US" sz="1400" dirty="0"/>
+              <a:t>, I have been able to send up to 100 consecutive request to the web server.</a:t>
+            </a:r>
+            <a:endParaRPr lang="en-US" dirty="0"/>
+          </a:p>
+          <a:p>
+            <a:pPr marL="285750" indent="-285750">
+              <a:buFont typeface="Arial"/>
+              <a:buChar char="•"/>
+            </a:pPr>
+            <a:endParaRPr lang="en-US" sz="1400" dirty="0"/>
+          </a:p>
+          <a:p>
+            <a:pPr marL="285750" indent="-285750">
+              <a:buFont typeface="Arial"/>
+              <a:buChar char="•"/>
+            </a:pPr>
+            <a:r>
+              <a:rPr lang="en-US" sz="1400" dirty="0"/>
+              <a:t>Even with those amounts of requests coming, you still can open up that website in your browser and watch the video.</a:t>
+            </a:r>
+          </a:p>
+          <a:p>
+            <a:endParaRPr lang="en-US" sz="1400" dirty="0"/>
+          </a:p>
+          <a:p>
+            <a:pPr marL="285750" indent="-285750">
+              <a:buFont typeface="Arial"/>
+              <a:buChar char="•"/>
+            </a:pPr>
+            <a:r>
+              <a:rPr lang="en-US" sz="1400" dirty="0"/>
+              <a:t>Of course the performance is miserable. But we can say that this is just a limitation in hardware.</a:t>
+            </a:r>
+          </a:p>
+        </p:txBody>
+      </p:sp>
+      <p:sp>
+        <p:nvSpPr>
+          <p:cNvPr id="10" name="Arrow: Right 9">
+            <a:extLst>
+              <a:ext uri="{FF2B5EF4-FFF2-40B4-BE49-F238E27FC236}">
+                <a16:creationId xmlns:a16="http://schemas.microsoft.com/office/drawing/2014/main" id="{924B5674-6622-0D9B-0063-D64EC8E94E4B}"/>
+              </a:ext>
+            </a:extLst>
+          </p:cNvPr>
+          <p:cNvSpPr/>
+          <p:nvPr/>
+        </p:nvSpPr>
+        <p:spPr>
+          <a:xfrm>
+            <a:off x="226785" y="4354284"/>
+            <a:ext cx="426357" cy="362857"/>
+          </a:xfrm>
+          <a:prstGeom prst="rightArrow">
+            <a:avLst/>
+          </a:prstGeom>
+        </p:spPr>
+        <p:style>
+          <a:lnRef idx="2">
+            <a:schemeClr val="accent1">
+              <a:shade val="15000"/>
+            </a:schemeClr>
+          </a:lnRef>
+          <a:fillRef idx="1">
+            <a:schemeClr val="accent1"/>
+          </a:fillRef>
+          <a:effectRef idx="0">
+            <a:schemeClr val="accent1"/>
+          </a:effectRef>
+          <a:fontRef idx="minor">
+            <a:schemeClr val="lt1"/>
+          </a:fontRef>
+        </p:style>
+        <p:txBody>
+          <a:bodyPr rtlCol="0" anchor="ctr"/>
+          <a:lstStyle/>
+          <a:p>
+            <a:pPr algn="ctr"/>
+            <a:endParaRPr lang="en-US"/>
+          </a:p>
+        </p:txBody>
+      </p:sp>
+      <p:sp>
+        <p:nvSpPr>
+          <p:cNvPr id="11" name="TextBox 10">
+            <a:extLst>
+              <a:ext uri="{FF2B5EF4-FFF2-40B4-BE49-F238E27FC236}">
+                <a16:creationId xmlns:a16="http://schemas.microsoft.com/office/drawing/2014/main" id="{C8E85C37-C7F4-4B35-9432-E27274176C9B}"/>
+              </a:ext>
+            </a:extLst>
+          </p:cNvPr>
+          <p:cNvSpPr txBox="1"/>
+          <p:nvPr/>
+        </p:nvSpPr>
+        <p:spPr>
+          <a:xfrm>
+            <a:off x="771070" y="4281714"/>
+            <a:ext cx="4073071" cy="646331"/>
+          </a:xfrm>
+          <a:prstGeom prst="rect">
+            <a:avLst/>
+          </a:prstGeom>
+          <a:noFill/>
+        </p:spPr>
+        <p:txBody>
+          <a:bodyPr rot="0" spcFirstLastPara="0" vertOverflow="overflow" horzOverflow="overflow" vert="horz" wrap="square" lIns="91440" tIns="45720" rIns="91440" bIns="45720" numCol="1" spcCol="0" rtlCol="0" fromWordArt="0" anchor="t" anchorCtr="0" forceAA="0" compatLnSpc="1">
+            <a:prstTxWarp prst="textNoShape">
+              <a:avLst/>
+            </a:prstTxWarp>
+            <a:spAutoFit/>
+          </a:bodyPr>
+          <a:lstStyle/>
+          <a:p>
+            <a:r>
+              <a:rPr lang="en-US" b="1" dirty="0"/>
+              <a:t>Still can expand more with better hardware</a:t>
+            </a:r>
+          </a:p>
+        </p:txBody>
+      </p:sp>
+    </p:spTree>
+    <p:extLst>
+      <p:ext uri="{BB962C8B-B14F-4D97-AF65-F5344CB8AC3E}">
+        <p14:creationId xmlns:p14="http://schemas.microsoft.com/office/powerpoint/2010/main" val="1920007267"/>
+      </p:ext>
+    </p:extLst>
+  </p:cSld>
+  <p:clrMapOvr>
+    <a:masterClrMapping/>
+  </p:clrMapOvr>
+</p:sld>
+</file>
+
+<file path=ppt/slides/slide11.xml><?xml version="1.0" encoding="utf-8"?>
+<p:sld xmlns:a="http://schemas.openxmlformats.org/drawingml/2006/main" xmlns:r="http://schemas.openxmlformats.org/officeDocument/2006/relationships" xmlns:p="http://schemas.openxmlformats.org/presentationml/2006/main">
+  <p:cSld>
+    <p:spTree>
+      <p:nvGrpSpPr>
+        <p:cNvPr id="1" name=""/>
+        <p:cNvGrpSpPr/>
+        <p:nvPr/>
+      </p:nvGrpSpPr>
+      <p:grpSpPr>
+        <a:xfrm>
+          <a:off x="0" y="0"/>
+          <a:ext cx="0" cy="0"/>
+          <a:chOff x="0" y="0"/>
+          <a:chExt cx="0" cy="0"/>
+        </a:xfrm>
+      </p:grpSpPr>
+      <p:sp>
+        <p:nvSpPr>
+          <p:cNvPr id="3" name="TextBox 2">
+            <a:extLst>
+              <a:ext uri="{FF2B5EF4-FFF2-40B4-BE49-F238E27FC236}">
+                <a16:creationId xmlns:a16="http://schemas.microsoft.com/office/drawing/2014/main" id="{7E9BDFB7-5980-213D-2FE0-7F7A2F8568F0}"/>
+              </a:ext>
+            </a:extLst>
+          </p:cNvPr>
+          <p:cNvSpPr txBox="1"/>
+          <p:nvPr/>
+        </p:nvSpPr>
+        <p:spPr>
+          <a:xfrm>
+            <a:off x="69272" y="89064"/>
+            <a:ext cx="11776363" cy="369332"/>
+          </a:xfrm>
+          <a:prstGeom prst="rect">
+            <a:avLst/>
+          </a:prstGeom>
+          <a:noFill/>
+        </p:spPr>
+        <p:txBody>
+          <a:bodyPr rot="0" spcFirstLastPara="0" vertOverflow="overflow" horzOverflow="overflow" vert="horz" wrap="square" lIns="91440" tIns="45720" rIns="91440" bIns="45720" numCol="1" spcCol="0" rtlCol="0" fromWordArt="0" anchor="t" anchorCtr="0" forceAA="0" compatLnSpc="1">
+            <a:prstTxWarp prst="textNoShape">
+              <a:avLst/>
+            </a:prstTxWarp>
+            <a:spAutoFit/>
+          </a:bodyPr>
+          <a:lstStyle/>
+          <a:p>
+            <a:r>
               <a:rPr lang="en-US" b="1" dirty="0"/>
               <a:t>4.   Conclusion</a:t>
             </a:r>
           </a:p>
         </p:txBody>
       </p:sp>
+      <p:sp>
+        <p:nvSpPr>
+          <p:cNvPr id="7" name="TextBox 6">
+            <a:extLst>
+              <a:ext uri="{FF2B5EF4-FFF2-40B4-BE49-F238E27FC236}">
+                <a16:creationId xmlns:a16="http://schemas.microsoft.com/office/drawing/2014/main" id="{08770ACA-FA0D-18F5-5FE6-FF7F1D903A52}"/>
+              </a:ext>
+            </a:extLst>
+          </p:cNvPr>
+          <p:cNvSpPr txBox="1"/>
+          <p:nvPr/>
+        </p:nvSpPr>
+        <p:spPr>
+          <a:xfrm>
+            <a:off x="459153" y="459153"/>
+            <a:ext cx="4835769" cy="369332"/>
+          </a:xfrm>
+          <a:prstGeom prst="rect">
+            <a:avLst/>
+          </a:prstGeom>
+          <a:noFill/>
+        </p:spPr>
+        <p:txBody>
+          <a:bodyPr rot="0" spcFirstLastPara="0" vertOverflow="overflow" horzOverflow="overflow" vert="horz" wrap="square" lIns="91440" tIns="45720" rIns="91440" bIns="45720" numCol="1" spcCol="0" rtlCol="0" fromWordArt="0" anchor="t" anchorCtr="0" forceAA="0" compatLnSpc="1">
+            <a:prstTxWarp prst="textNoShape">
+              <a:avLst/>
+            </a:prstTxWarp>
+            <a:spAutoFit/>
+          </a:bodyPr>
+          <a:lstStyle/>
+          <a:p>
+            <a:pPr marL="285750" indent="-285750">
+              <a:buFont typeface="Arial"/>
+              <a:buChar char="•"/>
+            </a:pPr>
+            <a:r>
+              <a:rPr lang="en-US" dirty="0"/>
+              <a:t>Here is my conclusion of this system   </a:t>
+            </a:r>
+            <a:endParaRPr lang="en-US"/>
+          </a:p>
+        </p:txBody>
+      </p:sp>
       <p:pic>
         <p:nvPicPr>
-          <p:cNvPr id="5" name="Picture 6" descr="Diagram&#10;&#10;Description automatically generated">
-            <a:extLst>
-              <a:ext uri="{FF2B5EF4-FFF2-40B4-BE49-F238E27FC236}">
-                <a16:creationId xmlns:a16="http://schemas.microsoft.com/office/drawing/2014/main" id="{F99F6712-ED6E-D3EB-924A-B5C8008EA392}"/>
+          <p:cNvPr id="6" name="Picture 7" descr="A picture containing text, diagram, line, font&#10;&#10;Description automatically generated">
+            <a:extLst>
+              <a:ext uri="{FF2B5EF4-FFF2-40B4-BE49-F238E27FC236}">
+                <a16:creationId xmlns:a16="http://schemas.microsoft.com/office/drawing/2014/main" id="{1190F0EB-1E44-0148-31DD-000EF1D0FD42}"/>
               </a:ext>
             </a:extLst>
           </p:cNvPr>
@@ -3760,57 +4122,14 @@
         </p:blipFill>
         <p:spPr>
           <a:xfrm>
-            <a:off x="2741246" y="953126"/>
-            <a:ext cx="6064737" cy="5586748"/>
+            <a:off x="3128683" y="910251"/>
+            <a:ext cx="4939552" cy="5189897"/>
           </a:xfrm>
           <a:prstGeom prst="rect">
             <a:avLst/>
           </a:prstGeom>
         </p:spPr>
       </p:pic>
-      <p:sp>
-        <p:nvSpPr>
-          <p:cNvPr id="7" name="TextBox 6">
-            <a:extLst>
-              <a:ext uri="{FF2B5EF4-FFF2-40B4-BE49-F238E27FC236}">
-                <a16:creationId xmlns:a16="http://schemas.microsoft.com/office/drawing/2014/main" id="{08770ACA-FA0D-18F5-5FE6-FF7F1D903A52}"/>
-              </a:ext>
-            </a:extLst>
-          </p:cNvPr>
-          <p:cNvSpPr txBox="1"/>
-          <p:nvPr/>
-        </p:nvSpPr>
-        <p:spPr>
-          <a:xfrm>
-            <a:off x="459153" y="459153"/>
-            <a:ext cx="4835769" cy="369332"/>
-          </a:xfrm>
-          <a:prstGeom prst="rect">
-            <a:avLst/>
-          </a:prstGeom>
-          <a:noFill/>
-        </p:spPr>
-        <p:txBody>
-          <a:bodyPr rot="0" spcFirstLastPara="0" vertOverflow="overflow" horzOverflow="overflow" vert="horz" wrap="square" lIns="91440" tIns="45720" rIns="91440" bIns="45720" numCol="1" spcCol="0" rtlCol="0" fromWordArt="0" anchor="t" anchorCtr="0" forceAA="0" compatLnSpc="1">
-            <a:prstTxWarp prst="textNoShape">
-              <a:avLst/>
-            </a:prstTxWarp>
-            <a:spAutoFit/>
-          </a:bodyPr>
-          <a:lstStyle/>
-          <a:p>
-            <a:pPr marL="285750" indent="-285750">
-              <a:buFont typeface="Arial"/>
-              <a:buChar char="•"/>
-            </a:pPr>
-            <a:r>
-              <a:rPr lang="en-US" dirty="0"/>
-              <a:t>Here is my conclusion of this system   </a:t>
-            </a:r>
-            <a:endParaRPr lang="en-US"/>
-          </a:p>
-        </p:txBody>
-      </p:sp>
     </p:spTree>
     <p:extLst>
       <p:ext uri="{BB962C8B-B14F-4D97-AF65-F5344CB8AC3E}">
@@ -4024,7 +4343,7 @@
         <p:spPr>
           <a:xfrm>
             <a:off x="455220" y="583870"/>
-            <a:ext cx="10994570" cy="830997"/>
+            <a:ext cx="10994570" cy="338554"/>
           </a:xfrm>
           <a:prstGeom prst="rect">
             <a:avLst/>
@@ -4041,38 +4360,22 @@
           <a:lstStyle/>
           <a:p>
             <a:r>
-              <a:rPr lang="en-US" sz="1600" dirty="0"/>
-              <a:t>Based on the Video Streaming Project. This project expand on the </a:t>
-            </a:r>
-            <a:r>
-              <a:rPr lang="en-US" sz="1600" dirty="0">
-                <a:solidFill>
-                  <a:srgbClr val="000000"/>
-                </a:solidFill>
-              </a:rPr>
-              <a:t>Lookaside load</a:t>
-            </a:r>
-            <a:r>
-              <a:rPr lang="en-US" sz="1600" dirty="0"/>
-              <a:t> balancer design. </a:t>
-            </a:r>
-            <a:r>
               <a:rPr lang="en-US" sz="1600" dirty="0">
                 <a:ea typeface="+mn-lt"/>
                 <a:cs typeface="+mn-lt"/>
               </a:rPr>
-              <a:t>The picture below illustrates this approach. The client gets at least one address from lookaside LB. Then the client uses this address to make a RPC.</a:t>
-            </a:r>
-            <a:endParaRPr lang="en-US"/>
+              <a:t>This project is an experimentation with centralized architecture for Video Streaming Service</a:t>
+            </a:r>
+            <a:endParaRPr lang="en-US" dirty="0"/>
           </a:p>
         </p:txBody>
       </p:sp>
       <p:pic>
         <p:nvPicPr>
-          <p:cNvPr id="3" name="Picture 3" descr="Diagram&#10;&#10;Description automatically generated">
-            <a:extLst>
-              <a:ext uri="{FF2B5EF4-FFF2-40B4-BE49-F238E27FC236}">
-                <a16:creationId xmlns:a16="http://schemas.microsoft.com/office/drawing/2014/main" id="{354FE29D-A88F-1D4E-8E1A-9E7B76399C96}"/>
+          <p:cNvPr id="7" name="Picture 7" descr="A picture containing diagram, sketch, plan, technical drawing&#10;&#10;Description automatically generated">
+            <a:extLst>
+              <a:ext uri="{FF2B5EF4-FFF2-40B4-BE49-F238E27FC236}">
+                <a16:creationId xmlns:a16="http://schemas.microsoft.com/office/drawing/2014/main" id="{7836A09C-1C0C-56F1-99C3-5D0B3F7E1CF0}"/>
               </a:ext>
             </a:extLst>
           </p:cNvPr>
@@ -4089,8 +4392,8 @@
         </p:blipFill>
         <p:spPr>
           <a:xfrm>
-            <a:off x="2565401" y="1391633"/>
-            <a:ext cx="6781799" cy="4735136"/>
+            <a:off x="2079812" y="1171953"/>
+            <a:ext cx="7628964" cy="5114730"/>
           </a:xfrm>
           <a:prstGeom prst="rect">
             <a:avLst/>
@@ -4183,7 +4486,7 @@
         </p:nvSpPr>
         <p:spPr>
           <a:xfrm>
-            <a:off x="109313" y="500833"/>
+            <a:off x="100348" y="393257"/>
             <a:ext cx="4138666" cy="646331"/>
           </a:xfrm>
           <a:prstGeom prst="rect">
@@ -4299,8 +4602,8 @@
         </p:nvSpPr>
         <p:spPr>
           <a:xfrm>
-            <a:off x="166818" y="1242304"/>
-            <a:ext cx="3814938" cy="2893100"/>
+            <a:off x="166818" y="991292"/>
+            <a:ext cx="3814938" cy="5693866"/>
           </a:xfrm>
           <a:prstGeom prst="rect">
             <a:avLst/>
@@ -4322,7 +4625,28 @@
             </a:pPr>
             <a:r>
               <a:rPr lang="en-US" sz="1400" dirty="0"/>
-              <a:t>Web Server node is responsible for web UI and communication</a:t>
+              <a:t>Web Server:</a:t>
+            </a:r>
+            <a:endParaRPr lang="en-US" dirty="0"/>
+          </a:p>
+          <a:p>
+            <a:pPr marL="742950" lvl="1" indent="-285750">
+              <a:buFont typeface="Calibri"/>
+              <a:buChar char="-"/>
+            </a:pPr>
+            <a:r>
+              <a:rPr lang="en-US" sz="1400" dirty="0"/>
+              <a:t>Hosting web service</a:t>
+            </a:r>
+          </a:p>
+          <a:p>
+            <a:pPr marL="742950" lvl="1" indent="-285750">
+              <a:buFont typeface="Calibri"/>
+              <a:buChar char="-"/>
+            </a:pPr>
+            <a:r>
+              <a:rPr lang="en-US" sz="1400" dirty="0"/>
+              <a:t>Handle user interaction</a:t>
             </a:r>
           </a:p>
           <a:p>
@@ -4340,6 +4664,58 @@
               <a:buFont typeface="Arial"/>
               <a:buChar char="•"/>
             </a:pPr>
+            <a:r>
+              <a:rPr lang="en-US" sz="1400" dirty="0">
+                <a:ea typeface="+mn-lt"/>
+                <a:cs typeface="+mn-lt"/>
+              </a:rPr>
+              <a:t>Video Server:</a:t>
+            </a:r>
+          </a:p>
+          <a:p>
+            <a:pPr marL="742950" lvl="1" indent="-285750">
+              <a:buFont typeface="Calibri"/>
+              <a:buChar char="-"/>
+            </a:pPr>
+            <a:r>
+              <a:rPr lang="en-US" sz="1400" dirty="0">
+                <a:ea typeface="+mn-lt"/>
+                <a:cs typeface="+mn-lt"/>
+              </a:rPr>
+              <a:t>Handle video request from Web Server</a:t>
+            </a:r>
+          </a:p>
+          <a:p>
+            <a:pPr marL="742950" lvl="1" indent="-285750">
+              <a:buFont typeface="Calibri"/>
+              <a:buChar char="-"/>
+            </a:pPr>
+            <a:r>
+              <a:rPr lang="en-US" sz="1400" dirty="0">
+                <a:ea typeface="+mn-lt"/>
+                <a:cs typeface="+mn-lt"/>
+              </a:rPr>
+              <a:t>Get video data store inside of Message Broker</a:t>
+            </a:r>
+          </a:p>
+          <a:p>
+            <a:pPr marL="742950" lvl="1" indent="-285750">
+              <a:buFont typeface="Calibri"/>
+              <a:buChar char="-"/>
+            </a:pPr>
+            <a:r>
+              <a:rPr lang="en-US" sz="1400" dirty="0">
+                <a:ea typeface="+mn-lt"/>
+                <a:cs typeface="+mn-lt"/>
+              </a:rPr>
+              <a:t>Request facial detection from AI Server</a:t>
+            </a:r>
+          </a:p>
+          <a:p>
+            <a:pPr marL="742950" lvl="1" indent="-285750">
+              <a:buFont typeface="Calibri"/>
+              <a:buChar char="-"/>
+            </a:pPr>
             <a:endParaRPr lang="en-US" sz="1400" dirty="0">
               <a:ea typeface="+mn-lt"/>
               <a:cs typeface="+mn-lt"/>
@@ -4355,7 +4731,56 @@
                 <a:ea typeface="+mn-lt"/>
                 <a:cs typeface="+mn-lt"/>
               </a:rPr>
-              <a:t>Load Balancer listens to request from Web Server Node, create new instance of Video Server service and send that information back to Web Server Node</a:t>
+              <a:t>RabbitMQ:</a:t>
+            </a:r>
+          </a:p>
+          <a:p>
+            <a:pPr marL="742950" lvl="1" indent="-285750">
+              <a:buFont typeface="Calibri"/>
+              <a:buChar char="-"/>
+            </a:pPr>
+            <a:r>
+              <a:rPr lang="en-US" sz="1400" dirty="0">
+                <a:ea typeface="+mn-lt"/>
+                <a:cs typeface="+mn-lt"/>
+              </a:rPr>
+              <a:t>Exchange video and camera data between components</a:t>
+            </a:r>
+          </a:p>
+          <a:p>
+            <a:pPr marL="742950" lvl="1" indent="-285750">
+              <a:buFont typeface="Calibri"/>
+              <a:buChar char="-"/>
+            </a:pPr>
+            <a:endParaRPr lang="en-US" sz="1400" dirty="0">
+              <a:ea typeface="+mn-lt"/>
+              <a:cs typeface="+mn-lt"/>
+            </a:endParaRPr>
+          </a:p>
+          <a:p>
+            <a:pPr marL="285750" indent="-285750">
+              <a:buFont typeface="Arial"/>
+              <a:buChar char="•"/>
+            </a:pPr>
+            <a:r>
+              <a:rPr lang="en-US" sz="1400" dirty="0">
+                <a:ea typeface="+mn-lt"/>
+                <a:cs typeface="+mn-lt"/>
+              </a:rPr>
+              <a:t>Redis:</a:t>
+            </a:r>
+          </a:p>
+          <a:p>
+            <a:pPr marL="742950" lvl="1" indent="-285750">
+              <a:buFont typeface="Calibri"/>
+              <a:buChar char="-"/>
+            </a:pPr>
+            <a:r>
+              <a:rPr lang="en-US" sz="1400" dirty="0">
+                <a:ea typeface="+mn-lt"/>
+                <a:cs typeface="+mn-lt"/>
+              </a:rPr>
+              <a:t>Store camera information</a:t>
             </a:r>
           </a:p>
           <a:p>
@@ -4373,33 +4798,63 @@
               <a:buFont typeface="Arial"/>
               <a:buChar char="•"/>
             </a:pPr>
-            <a:endParaRPr lang="en-US" sz="1400" dirty="0">
-              <a:ea typeface="+mn-lt"/>
-              <a:cs typeface="+mn-lt"/>
-            </a:endParaRPr>
+            <a:r>
+              <a:rPr lang="en-US" sz="1400" dirty="0"/>
+              <a:t>AI server:</a:t>
+            </a:r>
+          </a:p>
+          <a:p>
+            <a:pPr marL="742950" lvl="1" indent="-285750">
+              <a:buFont typeface="Calibri"/>
+              <a:buChar char="-"/>
+            </a:pPr>
+            <a:r>
+              <a:rPr lang="en-US" sz="1400" dirty="0"/>
+              <a:t>Handle face detection request</a:t>
+            </a:r>
           </a:p>
           <a:p>
             <a:pPr marL="285750" indent="-285750">
               <a:buFont typeface="Arial"/>
               <a:buChar char="•"/>
             </a:pPr>
-            <a:r>
-              <a:rPr lang="en-US" sz="1400" dirty="0">
-                <a:ea typeface="+mn-lt"/>
-                <a:cs typeface="+mn-lt"/>
-              </a:rPr>
-              <a:t>Video server Node are responsible for processing video and response frame data to Web Server Node</a:t>
-            </a:r>
+            <a:endParaRPr lang="en-US" sz="1400" dirty="0"/>
+          </a:p>
+          <a:p>
+            <a:pPr marL="285750" indent="-285750">
+              <a:buFont typeface="Arial"/>
+              <a:buChar char="•"/>
+            </a:pPr>
+            <a:r>
+              <a:rPr lang="en-US" sz="1400" dirty="0"/>
+              <a:t>Camera Node:</a:t>
+            </a:r>
+          </a:p>
+          <a:p>
+            <a:pPr marL="742950" lvl="1" indent="-285750">
+              <a:buFont typeface="Calibri"/>
+              <a:buChar char="-"/>
+            </a:pPr>
+            <a:r>
+              <a:rPr lang="en-US" sz="1400" dirty="0"/>
+              <a:t>Read video and store frame data to RabbitMQ</a:t>
+            </a:r>
+          </a:p>
+          <a:p>
+            <a:pPr marL="742950" lvl="1" indent="-285750">
+              <a:buFont typeface="Arial"/>
+              <a:buChar char="•"/>
+            </a:pPr>
             <a:endParaRPr lang="en-US" sz="1400" dirty="0"/>
           </a:p>
         </p:txBody>
       </p:sp>
       <p:pic>
         <p:nvPicPr>
-          <p:cNvPr id="9" name="Picture 9" descr="Diagram&#10;&#10;Description automatically generated">
-            <a:extLst>
-              <a:ext uri="{FF2B5EF4-FFF2-40B4-BE49-F238E27FC236}">
-                <a16:creationId xmlns:a16="http://schemas.microsoft.com/office/drawing/2014/main" id="{ED94F8AD-9331-3EB9-E807-D1BE20315DC5}"/>
+          <p:cNvPr id="10" name="Picture 10" descr="A picture containing diagram, sketch, plan, technical drawing&#10;&#10;Description automatically generated">
+            <a:extLst>
+              <a:ext uri="{FF2B5EF4-FFF2-40B4-BE49-F238E27FC236}">
+                <a16:creationId xmlns:a16="http://schemas.microsoft.com/office/drawing/2014/main" id="{BEA2DA2E-F541-0852-1F67-11997DEEF7F8}"/>
               </a:ext>
             </a:extLst>
           </p:cNvPr>
@@ -4416,8 +4871,8 @@
         </p:blipFill>
         <p:spPr>
           <a:xfrm>
-            <a:off x="4598894" y="176898"/>
-            <a:ext cx="7360023" cy="6414556"/>
+            <a:off x="3765177" y="392024"/>
+            <a:ext cx="8005481" cy="5993271"/>
           </a:xfrm>
           <a:prstGeom prst="rect">
             <a:avLst/>
@@ -4552,7 +5007,7 @@
         <p:spPr>
           <a:xfrm>
             <a:off x="747265" y="929444"/>
-            <a:ext cx="11522427" cy="738664"/>
+            <a:ext cx="11522427" cy="523220"/>
           </a:xfrm>
           <a:prstGeom prst="rect">
             <a:avLst/>
@@ -4574,17 +5029,7 @@
             </a:pPr>
             <a:r>
               <a:rPr lang="en-US" sz="1400" dirty="0"/>
-              <a:t>Using Flask as its backend and GRPC as it transportation protocol</a:t>
-            </a:r>
-          </a:p>
-          <a:p>
-            <a:pPr marL="285750" indent="-285750">
-              <a:buFont typeface="Calibri"/>
-              <a:buChar char="-"/>
-            </a:pPr>
-            <a:r>
-              <a:rPr lang="en-US" sz="1400" dirty="0"/>
-              <a:t>The backend will communicate with Load Balancer through TCP connection</a:t>
+              <a:t>Using Flask as its backend and HTTP as it transportation protocol</a:t>
             </a:r>
           </a:p>
           <a:p>
@@ -4594,10 +5039,10 @@
       </p:sp>
       <p:pic>
         <p:nvPicPr>
-          <p:cNvPr id="7" name="Picture 7" descr="Diagram&#10;&#10;Description automatically generated">
-            <a:extLst>
-              <a:ext uri="{FF2B5EF4-FFF2-40B4-BE49-F238E27FC236}">
-                <a16:creationId xmlns:a16="http://schemas.microsoft.com/office/drawing/2014/main" id="{32272489-B894-A834-BD7C-9D0965B4A9DC}"/>
+          <p:cNvPr id="6" name="Picture 7" descr="A picture containing text, screenshot, diagram, font&#10;&#10;Description automatically generated">
+            <a:extLst>
+              <a:ext uri="{FF2B5EF4-FFF2-40B4-BE49-F238E27FC236}">
+                <a16:creationId xmlns:a16="http://schemas.microsoft.com/office/drawing/2014/main" id="{45F43117-2F00-A132-FBB0-4F0AAAF9488E}"/>
               </a:ext>
             </a:extLst>
           </p:cNvPr>
@@ -4614,8 +5059,8 @@
         </p:blipFill>
         <p:spPr>
           <a:xfrm>
-            <a:off x="3281082" y="1715652"/>
-            <a:ext cx="5629834" cy="4511423"/>
+            <a:off x="3388659" y="1409919"/>
+            <a:ext cx="4078941" cy="5230469"/>
           </a:xfrm>
           <a:prstGeom prst="rect">
             <a:avLst/>
@@ -4730,17 +5175,17 @@
           <a:p>
             <a:r>
               <a:rPr lang="en-US" dirty="0"/>
-              <a:t>2.2 Load Balancer Service</a:t>
-            </a:r>
-          </a:p>
-        </p:txBody>
-      </p:sp>
-      <p:sp>
-        <p:nvSpPr>
-          <p:cNvPr id="5" name="TextBox 4">
-            <a:extLst>
-              <a:ext uri="{FF2B5EF4-FFF2-40B4-BE49-F238E27FC236}">
-                <a16:creationId xmlns:a16="http://schemas.microsoft.com/office/drawing/2014/main" id="{66F0B8B8-4475-CFE4-261B-3CE76B7B8615}"/>
+              <a:t>2.2 Video Server Service</a:t>
+            </a:r>
+          </a:p>
+        </p:txBody>
+      </p:sp>
+      <p:sp>
+        <p:nvSpPr>
+          <p:cNvPr id="7" name="TextBox 6">
+            <a:extLst>
+              <a:ext uri="{FF2B5EF4-FFF2-40B4-BE49-F238E27FC236}">
+                <a16:creationId xmlns:a16="http://schemas.microsoft.com/office/drawing/2014/main" id="{1A01EBE5-961C-6FE8-DAC3-52280EFBD24D}"/>
               </a:ext>
             </a:extLst>
           </p:cNvPr>
@@ -4749,8 +5194,8 @@
         </p:nvSpPr>
         <p:spPr>
           <a:xfrm>
-            <a:off x="415570" y="857727"/>
-            <a:ext cx="10876969" cy="738664"/>
+            <a:off x="245241" y="1888668"/>
+            <a:ext cx="4072758" cy="307777"/>
           </a:xfrm>
           <a:prstGeom prst="rect">
             <a:avLst/>
@@ -4770,37 +5215,16 @@
               <a:buFont typeface="Calibri"/>
               <a:buChar char="-"/>
             </a:pPr>
-            <a:r>
-              <a:rPr lang="en-US" sz="1400" dirty="0"/>
-              <a:t>Listen for request from Webserver Service and store those request in a queue</a:t>
-            </a:r>
-            <a:endParaRPr lang="en-US" dirty="0"/>
-          </a:p>
-          <a:p>
-            <a:pPr marL="285750" indent="-285750">
-              <a:buFont typeface="Calibri"/>
-              <a:buChar char="-"/>
-            </a:pPr>
-            <a:r>
-              <a:rPr lang="en-US" sz="1400" dirty="0">
-                <a:ea typeface="+mn-lt"/>
-                <a:cs typeface="+mn-lt"/>
-              </a:rPr>
-              <a:t>Process request from the queue to decide to create or remove a service on a swarm through communication with Docker Daemon</a:t>
-            </a:r>
             <a:endParaRPr lang="en-US" sz="1400" dirty="0"/>
           </a:p>
-          <a:p>
-            <a:endParaRPr lang="en-US" sz="1400" dirty="0"/>
-          </a:p>
-        </p:txBody>
-      </p:sp>
-      <p:sp>
-        <p:nvSpPr>
-          <p:cNvPr id="7" name="TextBox 6">
-            <a:extLst>
-              <a:ext uri="{FF2B5EF4-FFF2-40B4-BE49-F238E27FC236}">
-                <a16:creationId xmlns:a16="http://schemas.microsoft.com/office/drawing/2014/main" id="{1A01EBE5-961C-6FE8-DAC3-52280EFBD24D}"/>
+        </p:txBody>
+      </p:sp>
+      <p:sp>
+        <p:nvSpPr>
+          <p:cNvPr id="6" name="TextBox 5">
+            <a:extLst>
+              <a:ext uri="{FF2B5EF4-FFF2-40B4-BE49-F238E27FC236}">
+                <a16:creationId xmlns:a16="http://schemas.microsoft.com/office/drawing/2014/main" id="{080E1929-8147-9260-53BA-61C06A7FC635}"/>
               </a:ext>
             </a:extLst>
           </p:cNvPr>
@@ -4809,8 +5233,8 @@
         </p:nvSpPr>
         <p:spPr>
           <a:xfrm>
-            <a:off x="245241" y="1888668"/>
-            <a:ext cx="4072758" cy="307777"/>
+            <a:off x="528918" y="815788"/>
+            <a:ext cx="11286564" cy="646331"/>
           </a:xfrm>
           <a:prstGeom prst="rect">
             <a:avLst/>
@@ -4830,16 +5254,33 @@
               <a:buFont typeface="Calibri"/>
               <a:buChar char="-"/>
             </a:pPr>
-            <a:endParaRPr lang="en-US" sz="1400" dirty="0"/>
+            <a:r>
+              <a:rPr lang="en-US" dirty="0"/>
+              <a:t>Using flask as its HTTP request handler</a:t>
+            </a:r>
+          </a:p>
+          <a:p>
+            <a:pPr marL="285750" indent="-285750">
+              <a:buFont typeface="Calibri"/>
+              <a:buChar char="-"/>
+            </a:pPr>
+            <a:r>
+              <a:rPr lang="en-US" dirty="0"/>
+              <a:t>Metadata getter is an always running thread that get camera metadata from </a:t>
+            </a:r>
+            <a:r>
+              <a:rPr lang="en-US" dirty="0" err="1"/>
+              <a:t>rabbitMQ</a:t>
+            </a:r>
           </a:p>
         </p:txBody>
       </p:sp>
       <p:pic>
         <p:nvPicPr>
-          <p:cNvPr id="8" name="Picture 8" descr="Diagram&#10;&#10;Description automatically generated">
-            <a:extLst>
-              <a:ext uri="{FF2B5EF4-FFF2-40B4-BE49-F238E27FC236}">
-                <a16:creationId xmlns:a16="http://schemas.microsoft.com/office/drawing/2014/main" id="{4E3ECB45-31FB-EF66-2835-14EC682CBA89}"/>
+          <p:cNvPr id="10" name="Picture 10" descr="A picture containing text, diagram, line, screenshot&#10;&#10;Description automatically generated">
+            <a:extLst>
+              <a:ext uri="{FF2B5EF4-FFF2-40B4-BE49-F238E27FC236}">
+                <a16:creationId xmlns:a16="http://schemas.microsoft.com/office/drawing/2014/main" id="{9F810EA2-851F-D686-6A78-F7034A8CBEEC}"/>
               </a:ext>
             </a:extLst>
           </p:cNvPr>
@@ -4856,8 +5297,8 @@
         </p:blipFill>
         <p:spPr>
           <a:xfrm>
-            <a:off x="3621741" y="1684019"/>
-            <a:ext cx="5674658" cy="4431255"/>
+            <a:off x="3541059" y="1608708"/>
+            <a:ext cx="4419599" cy="4805997"/>
           </a:xfrm>
           <a:prstGeom prst="rect">
             <a:avLst/>
@@ -4972,7 +5413,7 @@
           <a:p>
             <a:r>
               <a:rPr lang="en-US" dirty="0"/>
-              <a:t>2.3 Video Server Service</a:t>
+              <a:t>2.3 Ai Server Service</a:t>
             </a:r>
           </a:p>
         </p:txBody>
@@ -4992,7 +5433,7 @@
         <p:spPr>
           <a:xfrm>
             <a:off x="415570" y="857727"/>
-            <a:ext cx="10876969" cy="738664"/>
+            <a:ext cx="10876969" cy="523220"/>
           </a:xfrm>
           <a:prstGeom prst="rect">
             <a:avLst/>
@@ -5013,9 +5454,15 @@
               <a:buChar char="-"/>
             </a:pPr>
             <a:r>
-              <a:rPr lang="en-US" sz="1400" dirty="0"/>
-              <a:t>Mounting Videos and Ai models from NFS volume and processing them</a:t>
-            </a:r>
+              <a:rPr lang="en-US" sz="1400" dirty="0">
+                <a:ea typeface="+mn-lt"/>
+                <a:cs typeface="+mn-lt"/>
+              </a:rPr>
+              <a:t>Using flask as its HTTP request handler </a:t>
+            </a:r>
+            <a:endParaRPr lang="en-US" dirty="0">
+              <a:latin typeface="Grandview Display"/>
+            </a:endParaRPr>
           </a:p>
           <a:p>
             <a:pPr marL="285750" indent="-285750">
@@ -5024,11 +5471,8 @@
             </a:pPr>
             <a:r>
               <a:rPr lang="en-US" sz="1400" dirty="0"/>
-              <a:t>Response frame data  to Web Server service request</a:t>
-            </a:r>
-          </a:p>
-          <a:p>
-            <a:endParaRPr lang="en-US" sz="1400" dirty="0"/>
+              <a:t>Face Detector will process the image and send back the bounding box information of those faces</a:t>
+            </a:r>
           </a:p>
         </p:txBody>
       </p:sp>
@@ -5073,10 +5517,10 @@
       </p:sp>
       <p:pic>
         <p:nvPicPr>
-          <p:cNvPr id="6" name="Picture 7" descr="Diagram&#10;&#10;Description automatically generated">
-            <a:extLst>
-              <a:ext uri="{FF2B5EF4-FFF2-40B4-BE49-F238E27FC236}">
-                <a16:creationId xmlns:a16="http://schemas.microsoft.com/office/drawing/2014/main" id="{AFBD826A-4C43-02C3-6366-685FA307FEB3}"/>
+          <p:cNvPr id="2" name="Picture 7">
+            <a:extLst>
+              <a:ext uri="{FF2B5EF4-FFF2-40B4-BE49-F238E27FC236}">
+                <a16:creationId xmlns:a16="http://schemas.microsoft.com/office/drawing/2014/main" id="{14E3F5FE-E96E-3125-3529-4DB55E6F50F6}"/>
               </a:ext>
             </a:extLst>
           </p:cNvPr>
@@ -5085,15 +5529,16 @@
           </p:cNvPicPr>
           <p:nvPr/>
         </p:nvPicPr>
-        <p:blipFill rotWithShape="1">
+        <p:blipFill>
           <a:blip r:embed="rId2"/>
-          <a:srcRect t="10893" r="-5904" b="4793"/>
-          <a:stretch/>
+          <a:stretch>
+            <a:fillRect/>
+          </a:stretch>
         </p:blipFill>
         <p:spPr>
           <a:xfrm>
-            <a:off x="4084209" y="1490382"/>
-            <a:ext cx="3745585" cy="5056087"/>
+            <a:off x="4204447" y="1398064"/>
+            <a:ext cx="3630705" cy="5236246"/>
           </a:xfrm>
           <a:prstGeom prst="rect">
             <a:avLst/>
@@ -5145,7 +5590,7 @@
         <p:spPr>
           <a:xfrm>
             <a:off x="69272" y="89064"/>
-            <a:ext cx="11776363" cy="369332"/>
+            <a:ext cx="11776363" cy="646331"/>
           </a:xfrm>
           <a:prstGeom prst="rect">
             <a:avLst/>
@@ -5163,21 +5608,24 @@
           <a:p>
             <a:r>
               <a:rPr lang="en-US" dirty="0"/>
-              <a:t>3.   </a:t>
+              <a:t>2.   </a:t>
             </a:r>
             <a:r>
               <a:rPr lang="en-US" b="1" dirty="0"/>
-              <a:t>System Evaluation</a:t>
-            </a:r>
-          </a:p>
-        </p:txBody>
-      </p:sp>
-      <p:sp>
-        <p:nvSpPr>
-          <p:cNvPr id="2" name="TextBox 1">
-            <a:extLst>
-              <a:ext uri="{FF2B5EF4-FFF2-40B4-BE49-F238E27FC236}">
-                <a16:creationId xmlns:a16="http://schemas.microsoft.com/office/drawing/2014/main" id="{4A526460-70D9-FD66-5129-B2FF13225F28}"/>
+              <a:t>Service Overview</a:t>
+            </a:r>
+          </a:p>
+          <a:p>
+            <a:endParaRPr lang="en-US" b="1" dirty="0"/>
+          </a:p>
+        </p:txBody>
+      </p:sp>
+      <p:sp>
+        <p:nvSpPr>
+          <p:cNvPr id="4" name="TextBox 3">
+            <a:extLst>
+              <a:ext uri="{FF2B5EF4-FFF2-40B4-BE49-F238E27FC236}">
+                <a16:creationId xmlns:a16="http://schemas.microsoft.com/office/drawing/2014/main" id="{EA45D5FE-FE46-22CD-520F-BD40D6FC2FD1}"/>
               </a:ext>
             </a:extLst>
           </p:cNvPr>
@@ -5186,8 +5634,8 @@
         </p:nvSpPr>
         <p:spPr>
           <a:xfrm>
-            <a:off x="290286" y="553356"/>
-            <a:ext cx="10813142" cy="369332"/>
+            <a:off x="350344" y="437931"/>
+            <a:ext cx="7584965" cy="369332"/>
           </a:xfrm>
           <a:prstGeom prst="rect">
             <a:avLst/>
@@ -5205,50 +5653,17 @@
           <a:p>
             <a:r>
               <a:rPr lang="en-US" dirty="0"/>
-              <a:t>3.1 Testing with </a:t>
-            </a:r>
-            <a:r>
-              <a:rPr lang="en-US" dirty="0" err="1"/>
-              <a:t>Jmeter</a:t>
-            </a:r>
-          </a:p>
-        </p:txBody>
-      </p:sp>
-      <p:pic>
-        <p:nvPicPr>
-          <p:cNvPr id="5" name="Picture 5" descr="Text&#10;&#10;Description automatically generated">
-            <a:extLst>
-              <a:ext uri="{FF2B5EF4-FFF2-40B4-BE49-F238E27FC236}">
-                <a16:creationId xmlns:a16="http://schemas.microsoft.com/office/drawing/2014/main" id="{7890C5F2-DFDC-5AB2-BF4D-0F0C34A155EB}"/>
-              </a:ext>
-            </a:extLst>
-          </p:cNvPr>
-          <p:cNvPicPr>
-            <a:picLocks noChangeAspect="1"/>
-          </p:cNvPicPr>
-          <p:nvPr/>
-        </p:nvPicPr>
-        <p:blipFill rotWithShape="1">
-          <a:blip r:embed="rId2"/>
-          <a:srcRect l="29" t="93" r="148" b="37741"/>
-          <a:stretch/>
-        </p:blipFill>
-        <p:spPr>
-          <a:xfrm>
-            <a:off x="5696857" y="275028"/>
-            <a:ext cx="6115974" cy="2041665"/>
-          </a:xfrm>
-          <a:prstGeom prst="rect">
-            <a:avLst/>
-          </a:prstGeom>
-        </p:spPr>
-      </p:pic>
-      <p:sp>
-        <p:nvSpPr>
-          <p:cNvPr id="6" name="TextBox 5">
-            <a:extLst>
-              <a:ext uri="{FF2B5EF4-FFF2-40B4-BE49-F238E27FC236}">
-                <a16:creationId xmlns:a16="http://schemas.microsoft.com/office/drawing/2014/main" id="{E148A4DC-D7FC-CE93-381E-0B81522D1900}"/>
+              <a:t>2.4 Camera</a:t>
+            </a:r>
+          </a:p>
+        </p:txBody>
+      </p:sp>
+      <p:sp>
+        <p:nvSpPr>
+          <p:cNvPr id="7" name="TextBox 6">
+            <a:extLst>
+              <a:ext uri="{FF2B5EF4-FFF2-40B4-BE49-F238E27FC236}">
+                <a16:creationId xmlns:a16="http://schemas.microsoft.com/office/drawing/2014/main" id="{1A01EBE5-961C-6FE8-DAC3-52280EFBD24D}"/>
               </a:ext>
             </a:extLst>
           </p:cNvPr>
@@ -5257,8 +5672,8 @@
         </p:nvSpPr>
         <p:spPr>
           <a:xfrm>
-            <a:off x="435428" y="1016000"/>
-            <a:ext cx="3692071" cy="2677656"/>
+            <a:off x="245241" y="1888668"/>
+            <a:ext cx="4072758" cy="307777"/>
           </a:xfrm>
           <a:prstGeom prst="rect">
             <a:avLst/>
@@ -5275,61 +5690,19 @@
           <a:lstStyle/>
           <a:p>
             <a:pPr marL="285750" indent="-285750">
-              <a:buFont typeface="Arial"/>
-              <a:buChar char="•"/>
-            </a:pPr>
-            <a:r>
-              <a:rPr lang="en-US" sz="1400" dirty="0"/>
-              <a:t>Using </a:t>
-            </a:r>
-            <a:r>
-              <a:rPr lang="en-US" sz="1400" dirty="0" err="1"/>
-              <a:t>jmeter</a:t>
-            </a:r>
-            <a:r>
-              <a:rPr lang="en-US" sz="1400" dirty="0"/>
-              <a:t>, I have been able to send up to 100 consecutive request to the web server.</a:t>
-            </a:r>
-            <a:endParaRPr lang="en-US" dirty="0"/>
-          </a:p>
-          <a:p>
-            <a:pPr marL="285750" indent="-285750">
-              <a:buFont typeface="Arial"/>
-              <a:buChar char="•"/>
+              <a:buFont typeface="Calibri"/>
+              <a:buChar char="-"/>
             </a:pPr>
             <a:endParaRPr lang="en-US" sz="1400" dirty="0"/>
           </a:p>
-          <a:p>
-            <a:pPr marL="285750" indent="-285750">
-              <a:buFont typeface="Arial"/>
-              <a:buChar char="•"/>
-            </a:pPr>
-            <a:r>
-              <a:rPr lang="en-US" sz="1400" dirty="0"/>
-              <a:t>Even with those amounts of requests coming, you still can open up that website in your browser and watch the video.</a:t>
-            </a:r>
-          </a:p>
-          <a:p>
-            <a:endParaRPr lang="en-US" sz="1400" dirty="0"/>
-          </a:p>
-          <a:p>
-            <a:pPr marL="285750" indent="-285750">
-              <a:buFont typeface="Arial"/>
-              <a:buChar char="•"/>
-            </a:pPr>
-            <a:r>
-              <a:rPr lang="en-US" sz="1400" dirty="0"/>
-              <a:t>Of course the performance is miserable. But we can say that this is just a limitation in hardware.</a:t>
-            </a:r>
-          </a:p>
         </p:txBody>
       </p:sp>
       <p:pic>
         <p:nvPicPr>
-          <p:cNvPr id="7" name="Picture 7">
-            <a:extLst>
-              <a:ext uri="{FF2B5EF4-FFF2-40B4-BE49-F238E27FC236}">
-                <a16:creationId xmlns:a16="http://schemas.microsoft.com/office/drawing/2014/main" id="{0E2BE5EE-C03B-9CB7-452C-8D2FF97A1D6D}"/>
+          <p:cNvPr id="6" name="Picture 7" descr="A picture containing text, screenshot, diagram, line&#10;&#10;Description automatically generated">
+            <a:extLst>
+              <a:ext uri="{FF2B5EF4-FFF2-40B4-BE49-F238E27FC236}">
+                <a16:creationId xmlns:a16="http://schemas.microsoft.com/office/drawing/2014/main" id="{44340E8C-370D-D225-0AC2-CF3C44B1832A}"/>
               </a:ext>
             </a:extLst>
           </p:cNvPr>
@@ -5339,139 +5712,25 @@
           <p:nvPr/>
         </p:nvPicPr>
         <p:blipFill>
-          <a:blip r:embed="rId3"/>
+          <a:blip r:embed="rId2"/>
           <a:stretch>
             <a:fillRect/>
           </a:stretch>
         </p:blipFill>
         <p:spPr>
           <a:xfrm>
-            <a:off x="5695044" y="2500893"/>
-            <a:ext cx="6154055" cy="1112354"/>
+            <a:off x="3989294" y="689854"/>
+            <a:ext cx="3944470" cy="5648623"/>
           </a:xfrm>
           <a:prstGeom prst="rect">
             <a:avLst/>
           </a:prstGeom>
         </p:spPr>
       </p:pic>
-      <p:pic>
-        <p:nvPicPr>
-          <p:cNvPr id="8" name="Picture 8">
-            <a:extLst>
-              <a:ext uri="{FF2B5EF4-FFF2-40B4-BE49-F238E27FC236}">
-                <a16:creationId xmlns:a16="http://schemas.microsoft.com/office/drawing/2014/main" id="{5BF9B1FF-C189-8E48-4022-BEA4930E2571}"/>
-              </a:ext>
-            </a:extLst>
-          </p:cNvPr>
-          <p:cNvPicPr>
-            <a:picLocks noChangeAspect="1"/>
-          </p:cNvPicPr>
-          <p:nvPr/>
-        </p:nvPicPr>
-        <p:blipFill>
-          <a:blip r:embed="rId4"/>
-          <a:stretch>
-            <a:fillRect/>
-          </a:stretch>
-        </p:blipFill>
-        <p:spPr>
-          <a:xfrm>
-            <a:off x="5649686" y="3696889"/>
-            <a:ext cx="4884056" cy="2466865"/>
-          </a:xfrm>
-          <a:prstGeom prst="rect">
-            <a:avLst/>
-          </a:prstGeom>
-        </p:spPr>
-      </p:pic>
-      <p:sp>
-        <p:nvSpPr>
-          <p:cNvPr id="10" name="Arrow: Right 9">
-            <a:extLst>
-              <a:ext uri="{FF2B5EF4-FFF2-40B4-BE49-F238E27FC236}">
-                <a16:creationId xmlns:a16="http://schemas.microsoft.com/office/drawing/2014/main" id="{924B5674-6622-0D9B-0063-D64EC8E94E4B}"/>
-              </a:ext>
-            </a:extLst>
-          </p:cNvPr>
-          <p:cNvSpPr/>
-          <p:nvPr/>
-        </p:nvSpPr>
-        <p:spPr>
-          <a:xfrm>
-            <a:off x="226785" y="4354284"/>
-            <a:ext cx="426357" cy="362857"/>
-          </a:xfrm>
-          <a:prstGeom prst="rightArrow">
-            <a:avLst/>
-          </a:prstGeom>
-        </p:spPr>
-        <p:style>
-          <a:lnRef idx="2">
-            <a:schemeClr val="accent1">
-              <a:shade val="15000"/>
-            </a:schemeClr>
-          </a:lnRef>
-          <a:fillRef idx="1">
-            <a:schemeClr val="accent1"/>
-          </a:fillRef>
-          <a:effectRef idx="0">
-            <a:schemeClr val="accent1"/>
-          </a:effectRef>
-          <a:fontRef idx="minor">
-            <a:schemeClr val="lt1"/>
-          </a:fontRef>
-        </p:style>
-        <p:txBody>
-          <a:bodyPr rtlCol="0" anchor="ctr"/>
-          <a:lstStyle/>
-          <a:p>
-            <a:pPr algn="ctr"/>
-            <a:endParaRPr lang="en-US"/>
-          </a:p>
-        </p:txBody>
-      </p:sp>
-      <p:sp>
-        <p:nvSpPr>
-          <p:cNvPr id="11" name="TextBox 10">
-            <a:extLst>
-              <a:ext uri="{FF2B5EF4-FFF2-40B4-BE49-F238E27FC236}">
-                <a16:creationId xmlns:a16="http://schemas.microsoft.com/office/drawing/2014/main" id="{C8E85C37-C7F4-4B35-9432-E27274176C9B}"/>
-              </a:ext>
-            </a:extLst>
-          </p:cNvPr>
-          <p:cNvSpPr txBox="1"/>
-          <p:nvPr/>
-        </p:nvSpPr>
-        <p:spPr>
-          <a:xfrm>
-            <a:off x="771070" y="4281714"/>
-            <a:ext cx="4073071" cy="646331"/>
-          </a:xfrm>
-          <a:prstGeom prst="rect">
-            <a:avLst/>
-          </a:prstGeom>
-          <a:noFill/>
-        </p:spPr>
-        <p:txBody>
-          <a:bodyPr rot="0" spcFirstLastPara="0" vertOverflow="overflow" horzOverflow="overflow" vert="horz" wrap="square" lIns="91440" tIns="45720" rIns="91440" bIns="45720" numCol="1" spcCol="0" rtlCol="0" fromWordArt="0" anchor="t" anchorCtr="0" forceAA="0" compatLnSpc="1">
-            <a:prstTxWarp prst="textNoShape">
-              <a:avLst/>
-            </a:prstTxWarp>
-            <a:spAutoFit/>
-          </a:bodyPr>
-          <a:lstStyle/>
-          <a:p>
-            <a:r>
-              <a:rPr lang="en-US" b="1" dirty="0"/>
-              <a:t>Still can expand more with better hardware</a:t>
-            </a:r>
-          </a:p>
-        </p:txBody>
-      </p:sp>
     </p:spTree>
     <p:extLst>
       <p:ext uri="{BB962C8B-B14F-4D97-AF65-F5344CB8AC3E}">
-        <p14:creationId xmlns:p14="http://schemas.microsoft.com/office/powerpoint/2010/main" val="1920007267"/>
+        <p14:creationId xmlns:p14="http://schemas.microsoft.com/office/powerpoint/2010/main" val="3776395692"/>
       </p:ext>
     </p:extLst>
   </p:cSld>
@@ -5513,7 +5772,7 @@
         <p:spPr>
           <a:xfrm>
             <a:off x="69272" y="89064"/>
-            <a:ext cx="11776363" cy="369332"/>
+            <a:ext cx="11776363" cy="646331"/>
           </a:xfrm>
           <a:prstGeom prst="rect">
             <a:avLst/>
@@ -5531,21 +5790,24 @@
           <a:p>
             <a:r>
               <a:rPr lang="en-US" dirty="0"/>
-              <a:t>3.   </a:t>
+              <a:t>2.   </a:t>
             </a:r>
             <a:r>
               <a:rPr lang="en-US" b="1" dirty="0"/>
-              <a:t>System Evaluation</a:t>
-            </a:r>
-          </a:p>
-        </p:txBody>
-      </p:sp>
-      <p:sp>
-        <p:nvSpPr>
-          <p:cNvPr id="2" name="TextBox 1">
-            <a:extLst>
-              <a:ext uri="{FF2B5EF4-FFF2-40B4-BE49-F238E27FC236}">
-                <a16:creationId xmlns:a16="http://schemas.microsoft.com/office/drawing/2014/main" id="{4A526460-70D9-FD66-5129-B2FF13225F28}"/>
+              <a:t>Service Overview</a:t>
+            </a:r>
+          </a:p>
+          <a:p>
+            <a:endParaRPr lang="en-US" b="1" dirty="0"/>
+          </a:p>
+        </p:txBody>
+      </p:sp>
+      <p:sp>
+        <p:nvSpPr>
+          <p:cNvPr id="4" name="TextBox 3">
+            <a:extLst>
+              <a:ext uri="{FF2B5EF4-FFF2-40B4-BE49-F238E27FC236}">
+                <a16:creationId xmlns:a16="http://schemas.microsoft.com/office/drawing/2014/main" id="{EA45D5FE-FE46-22CD-520F-BD40D6FC2FD1}"/>
               </a:ext>
             </a:extLst>
           </p:cNvPr>
@@ -5554,8 +5816,8 @@
         </p:nvSpPr>
         <p:spPr>
           <a:xfrm>
-            <a:off x="290286" y="553356"/>
-            <a:ext cx="10813142" cy="369332"/>
+            <a:off x="350344" y="437931"/>
+            <a:ext cx="7584965" cy="369332"/>
           </a:xfrm>
           <a:prstGeom prst="rect">
             <a:avLst/>
@@ -5573,17 +5835,17 @@
           <a:p>
             <a:r>
               <a:rPr lang="en-US" dirty="0"/>
-              <a:t>3.2 Testing manually</a:t>
-            </a:r>
-          </a:p>
-        </p:txBody>
-      </p:sp>
-      <p:sp>
-        <p:nvSpPr>
-          <p:cNvPr id="6" name="TextBox 5">
-            <a:extLst>
-              <a:ext uri="{FF2B5EF4-FFF2-40B4-BE49-F238E27FC236}">
-                <a16:creationId xmlns:a16="http://schemas.microsoft.com/office/drawing/2014/main" id="{E148A4DC-D7FC-CE93-381E-0B81522D1900}"/>
+              <a:t>2.5 Flow diagram</a:t>
+            </a:r>
+          </a:p>
+        </p:txBody>
+      </p:sp>
+      <p:sp>
+        <p:nvSpPr>
+          <p:cNvPr id="7" name="TextBox 6">
+            <a:extLst>
+              <a:ext uri="{FF2B5EF4-FFF2-40B4-BE49-F238E27FC236}">
+                <a16:creationId xmlns:a16="http://schemas.microsoft.com/office/drawing/2014/main" id="{1A01EBE5-961C-6FE8-DAC3-52280EFBD24D}"/>
               </a:ext>
             </a:extLst>
           </p:cNvPr>
@@ -5592,8 +5854,8 @@
         </p:nvSpPr>
         <p:spPr>
           <a:xfrm>
-            <a:off x="435428" y="1016000"/>
-            <a:ext cx="3692071" cy="3539430"/>
+            <a:off x="245241" y="1888668"/>
+            <a:ext cx="4072758" cy="307777"/>
           </a:xfrm>
           <a:prstGeom prst="rect">
             <a:avLst/>
@@ -5610,123 +5872,19 @@
           <a:lstStyle/>
           <a:p>
             <a:pPr marL="285750" indent="-285750">
-              <a:buFont typeface="Arial"/>
-              <a:buChar char="•"/>
+              <a:buFont typeface="Calibri"/>
+              <a:buChar char="-"/>
             </a:pPr>
             <a:endParaRPr lang="en-US" sz="1400" dirty="0"/>
           </a:p>
-          <a:p>
-            <a:pPr marL="285750" indent="-285750">
-              <a:buFont typeface="Arial"/>
-              <a:buChar char="•"/>
-            </a:pPr>
-            <a:r>
-              <a:rPr lang="en-US" sz="1400" dirty="0"/>
-              <a:t>We only be able to open up to 6 new tabs because the 7 tab refuse to load anything until I close one of other tab</a:t>
-            </a:r>
-          </a:p>
-          <a:p>
-            <a:pPr marL="285750" indent="-285750">
-              <a:buFont typeface="Arial"/>
-              <a:buChar char="•"/>
-            </a:pPr>
-            <a:endParaRPr lang="en-US" sz="1400" dirty="0"/>
-          </a:p>
-          <a:p>
-            <a:pPr marL="285750" indent="-285750">
-              <a:buFont typeface="Arial"/>
-              <a:buChar char="•"/>
-            </a:pPr>
-            <a:r>
-              <a:rPr lang="en-US" sz="1400" dirty="0"/>
-              <a:t>The 7 tabs won't send any request to flask backend too</a:t>
-            </a:r>
-          </a:p>
-          <a:p>
-            <a:pPr marL="285750" indent="-285750">
-              <a:buFont typeface="Arial"/>
-              <a:buChar char="•"/>
-            </a:pPr>
-            <a:endParaRPr lang="en-US" sz="1400" dirty="0"/>
-          </a:p>
-          <a:p>
-            <a:pPr marL="285750" indent="-285750">
-              <a:buFont typeface="Arial"/>
-              <a:buChar char="•"/>
-            </a:pPr>
-            <a:r>
-              <a:rPr lang="en-US" sz="1400" dirty="0"/>
-              <a:t>During this time period, the CPU consumption is reaching its limit</a:t>
-            </a:r>
-          </a:p>
-          <a:p>
-            <a:pPr marL="285750" indent="-285750">
-              <a:buFont typeface="Arial"/>
-              <a:buChar char="•"/>
-            </a:pPr>
-            <a:endParaRPr lang="en-US" sz="1400" dirty="0"/>
-          </a:p>
-          <a:p>
-            <a:pPr marL="285750" indent="-285750">
-              <a:buFont typeface="Arial"/>
-              <a:buChar char="•"/>
-            </a:pPr>
-            <a:r>
-              <a:rPr lang="en-US" sz="1400" dirty="0"/>
-              <a:t>I have also tried to send smaller image from video server but result are still the same</a:t>
-            </a:r>
-          </a:p>
-          <a:p>
-            <a:pPr marL="285750" indent="-285750">
-              <a:buFont typeface="Arial"/>
-              <a:buChar char="•"/>
-            </a:pPr>
-            <a:endParaRPr lang="en-US" sz="1400" dirty="0"/>
-          </a:p>
-          <a:p>
-            <a:pPr marL="285750" indent="-285750">
-              <a:buFont typeface="Arial"/>
-              <a:buChar char="•"/>
-            </a:pPr>
-            <a:endParaRPr lang="en-US" sz="1400" dirty="0"/>
-          </a:p>
         </p:txBody>
       </p:sp>
       <p:pic>
         <p:nvPicPr>
-          <p:cNvPr id="4" name="Picture 8" descr="Graphical user interface, text, application&#10;&#10;Description automatically generated">
-            <a:extLst>
-              <a:ext uri="{FF2B5EF4-FFF2-40B4-BE49-F238E27FC236}">
-                <a16:creationId xmlns:a16="http://schemas.microsoft.com/office/drawing/2014/main" id="{968687C2-C985-774E-7856-E53E8AE0D2C0}"/>
-              </a:ext>
-            </a:extLst>
-          </p:cNvPr>
-          <p:cNvPicPr>
-            <a:picLocks noChangeAspect="1"/>
-          </p:cNvPicPr>
-          <p:nvPr/>
-        </p:nvPicPr>
-        <p:blipFill rotWithShape="1">
-          <a:blip r:embed="rId2"/>
-          <a:srcRect r="184" b="34975"/>
-          <a:stretch/>
-        </p:blipFill>
-        <p:spPr>
-          <a:xfrm>
-            <a:off x="6801756" y="275028"/>
-            <a:ext cx="4920355" cy="2397007"/>
-          </a:xfrm>
-          <a:prstGeom prst="rect">
-            <a:avLst/>
-          </a:prstGeom>
-        </p:spPr>
-      </p:pic>
-      <p:pic>
-        <p:nvPicPr>
-          <p:cNvPr id="9" name="Picture 9">
-            <a:extLst>
-              <a:ext uri="{FF2B5EF4-FFF2-40B4-BE49-F238E27FC236}">
-                <a16:creationId xmlns:a16="http://schemas.microsoft.com/office/drawing/2014/main" id="{C1DFEB8E-4C80-C7C4-29D2-88997B125D04}"/>
+          <p:cNvPr id="2" name="Picture 4" descr="A picture containing text, diagram, plan, technical drawing&#10;&#10;Description automatically generated">
+            <a:extLst>
+              <a:ext uri="{FF2B5EF4-FFF2-40B4-BE49-F238E27FC236}">
+                <a16:creationId xmlns:a16="http://schemas.microsoft.com/office/drawing/2014/main" id="{C078FF66-2D81-1C8E-E611-FC0AC119A766}"/>
               </a:ext>
             </a:extLst>
           </p:cNvPr>
@@ -5736,15 +5894,15 @@
           <p:nvPr/>
         </p:nvPicPr>
         <p:blipFill>
-          <a:blip r:embed="rId3"/>
+          <a:blip r:embed="rId2"/>
           <a:stretch>
             <a:fillRect/>
           </a:stretch>
         </p:blipFill>
         <p:spPr>
           <a:xfrm>
-            <a:off x="6801757" y="2938398"/>
-            <a:ext cx="4920342" cy="3475847"/>
+            <a:off x="1380565" y="1420650"/>
+            <a:ext cx="9421905" cy="5011783"/>
           </a:xfrm>
           <a:prstGeom prst="rect">
             <a:avLst/>
@@ -5753,56 +5911,10 @@
       </p:pic>
       <p:sp>
         <p:nvSpPr>
-          <p:cNvPr id="10" name="Arrow: Right 9">
-            <a:extLst>
-              <a:ext uri="{FF2B5EF4-FFF2-40B4-BE49-F238E27FC236}">
-                <a16:creationId xmlns:a16="http://schemas.microsoft.com/office/drawing/2014/main" id="{FCBF532C-0515-DEA4-B01F-A29BFF20DF19}"/>
-              </a:ext>
-            </a:extLst>
-          </p:cNvPr>
-          <p:cNvSpPr/>
-          <p:nvPr/>
-        </p:nvSpPr>
-        <p:spPr>
-          <a:xfrm>
-            <a:off x="226785" y="4354284"/>
-            <a:ext cx="426357" cy="362857"/>
-          </a:xfrm>
-          <a:prstGeom prst="rightArrow">
-            <a:avLst/>
-          </a:prstGeom>
-        </p:spPr>
-        <p:style>
-          <a:lnRef idx="2">
-            <a:schemeClr val="accent1">
-              <a:shade val="15000"/>
-            </a:schemeClr>
-          </a:lnRef>
-          <a:fillRef idx="1">
-            <a:schemeClr val="accent1"/>
-          </a:fillRef>
-          <a:effectRef idx="0">
-            <a:schemeClr val="accent1"/>
-          </a:effectRef>
-          <a:fontRef idx="minor">
-            <a:schemeClr val="lt1"/>
-          </a:fontRef>
-        </p:style>
-        <p:txBody>
-          <a:bodyPr rtlCol="0" anchor="ctr"/>
-          <a:lstStyle/>
-          <a:p>
-            <a:pPr algn="ctr"/>
-            <a:endParaRPr lang="en-US"/>
-          </a:p>
-        </p:txBody>
-      </p:sp>
-      <p:sp>
-        <p:nvSpPr>
-          <p:cNvPr id="11" name="TextBox 10">
-            <a:extLst>
-              <a:ext uri="{FF2B5EF4-FFF2-40B4-BE49-F238E27FC236}">
-                <a16:creationId xmlns:a16="http://schemas.microsoft.com/office/drawing/2014/main" id="{98FA1200-3D44-9C1D-FF7C-75B16CE1AD9F}"/>
+          <p:cNvPr id="5" name="TextBox 4">
+            <a:extLst>
+              <a:ext uri="{FF2B5EF4-FFF2-40B4-BE49-F238E27FC236}">
+                <a16:creationId xmlns:a16="http://schemas.microsoft.com/office/drawing/2014/main" id="{D327C839-25A7-4645-B246-8B9F25D7E411}"/>
               </a:ext>
             </a:extLst>
           </p:cNvPr>
@@ -5811,8 +5923,8 @@
         </p:nvSpPr>
         <p:spPr>
           <a:xfrm>
-            <a:off x="716642" y="4308928"/>
-            <a:ext cx="4980214" cy="1200329"/>
+            <a:off x="717176" y="797858"/>
+            <a:ext cx="9610164" cy="369332"/>
           </a:xfrm>
           <a:prstGeom prst="rect">
             <a:avLst/>
@@ -5829,8 +5941,8 @@
           <a:lstStyle/>
           <a:p>
             <a:r>
-              <a:rPr lang="en-US" b="1" dirty="0"/>
-              <a:t>Because the browser had to render the image sending from flask backend, it used up all the resources of the computer causing new tabs stop loading</a:t>
+              <a:rPr lang="en-US" dirty="0"/>
+              <a:t>Here is an diagram of how these service interact with each other</a:t>
             </a:r>
           </a:p>
         </p:txBody>
@@ -5838,7 +5950,7 @@
     </p:spTree>
     <p:extLst>
       <p:ext uri="{BB962C8B-B14F-4D97-AF65-F5344CB8AC3E}">
-        <p14:creationId xmlns:p14="http://schemas.microsoft.com/office/powerpoint/2010/main" val="412824307"/>
+        <p14:creationId xmlns:p14="http://schemas.microsoft.com/office/powerpoint/2010/main" val="2394775262"/>
       </p:ext>
     </p:extLst>
   </p:cSld>
